--- a/presentation/Beer.pptx
+++ b/presentation/Beer.pptx
@@ -115,13 +115,18 @@
       </a:defRPr>
     </a:lvl9pPr>
   </p:defaultTextStyle>
+  <p:extLst>
+    <p:ext uri="{EFAFB233-063F-42B5-8137-9DF3F51BA10A}">
+      <p15:sldGuideLst xmlns:p15="http://schemas.microsoft.com/office/powerpoint/2012/main"/>
+    </p:ext>
+  </p:extLst>
 </p:presentation>
 </file>
 
 <file path=ppt/revisionInfo.xml><?xml version="1.0" encoding="utf-8"?>
 <p1510:revInfo xmlns:a="http://schemas.openxmlformats.org/drawingml/2006/main" xmlns:r="http://schemas.openxmlformats.org/officeDocument/2006/relationships" xmlns:p1510="http://schemas.microsoft.com/office/powerpoint/2015/10/main">
   <p1510:revLst>
-    <p1510:client id="{184137CD-D4D1-4D48-8674-BAEF84DDE4E7}" v="7" dt="2024-06-12T14:44:44.017"/>
+    <p1510:client id="{184137CD-D4D1-4D48-8674-BAEF84DDE4E7}" v="8" dt="2024-06-12T14:49:23.485"/>
   </p1510:revLst>
 </p1510:revInfo>
 </file>
@@ -131,18 +136,18 @@
   <pc:docChgLst>
     <pc:chgData name="Xaver Buttinger" userId="8270926a4eac9cbf" providerId="LiveId" clId="{184137CD-D4D1-4D48-8674-BAEF84DDE4E7}"/>
     <pc:docChg chg="undo redo custSel addSld delSld modSld">
-      <pc:chgData name="Xaver Buttinger" userId="8270926a4eac9cbf" providerId="LiveId" clId="{184137CD-D4D1-4D48-8674-BAEF84DDE4E7}" dt="2024-06-12T14:45:49.341" v="941" actId="27636"/>
+      <pc:chgData name="Xaver Buttinger" userId="8270926a4eac9cbf" providerId="LiveId" clId="{184137CD-D4D1-4D48-8674-BAEF84DDE4E7}" dt="2024-06-12T14:50:59.355" v="984" actId="15"/>
       <pc:docMkLst>
         <pc:docMk/>
       </pc:docMkLst>
-      <pc:sldChg chg="modSp mod">
-        <pc:chgData name="Xaver Buttinger" userId="8270926a4eac9cbf" providerId="LiveId" clId="{184137CD-D4D1-4D48-8674-BAEF84DDE4E7}" dt="2024-06-12T14:18:32.551" v="56" actId="20577"/>
+      <pc:sldChg chg="addSp modSp mod">
+        <pc:chgData name="Xaver Buttinger" userId="8270926a4eac9cbf" providerId="LiveId" clId="{184137CD-D4D1-4D48-8674-BAEF84DDE4E7}" dt="2024-06-12T14:49:36.374" v="964" actId="1076"/>
         <pc:sldMkLst>
           <pc:docMk/>
           <pc:sldMk cId="182161736" sldId="256"/>
         </pc:sldMkLst>
         <pc:spChg chg="mod">
-          <ac:chgData name="Xaver Buttinger" userId="8270926a4eac9cbf" providerId="LiveId" clId="{184137CD-D4D1-4D48-8674-BAEF84DDE4E7}" dt="2024-06-12T14:18:12.037" v="18" actId="20577"/>
+          <ac:chgData name="Xaver Buttinger" userId="8270926a4eac9cbf" providerId="LiveId" clId="{184137CD-D4D1-4D48-8674-BAEF84DDE4E7}" dt="2024-06-12T14:48:01.264" v="962" actId="20577"/>
           <ac:spMkLst>
             <pc:docMk/>
             <pc:sldMk cId="182161736" sldId="256"/>
@@ -157,6 +162,14 @@
             <ac:spMk id="3" creationId="{47ECE532-324A-4B22-1AA1-4C81994E1D65}"/>
           </ac:spMkLst>
         </pc:spChg>
+        <pc:picChg chg="add mod">
+          <ac:chgData name="Xaver Buttinger" userId="8270926a4eac9cbf" providerId="LiveId" clId="{184137CD-D4D1-4D48-8674-BAEF84DDE4E7}" dt="2024-06-12T14:49:36.374" v="964" actId="1076"/>
+          <ac:picMkLst>
+            <pc:docMk/>
+            <pc:sldMk cId="182161736" sldId="256"/>
+            <ac:picMk id="5" creationId="{A678DCDA-CA2C-834F-D6DB-E6EE179A92D6}"/>
+          </ac:picMkLst>
+        </pc:picChg>
       </pc:sldChg>
       <pc:sldChg chg="modSp new mod">
         <pc:chgData name="Xaver Buttinger" userId="8270926a4eac9cbf" providerId="LiveId" clId="{184137CD-D4D1-4D48-8674-BAEF84DDE4E7}" dt="2024-06-12T14:29:24.788" v="356" actId="20577"/>
@@ -353,13 +366,13 @@
         </pc:spChg>
       </pc:sldChg>
       <pc:sldChg chg="addSp delSp modSp new mod">
-        <pc:chgData name="Xaver Buttinger" userId="8270926a4eac9cbf" providerId="LiveId" clId="{184137CD-D4D1-4D48-8674-BAEF84DDE4E7}" dt="2024-06-12T14:40:39.194" v="871" actId="1076"/>
+        <pc:chgData name="Xaver Buttinger" userId="8270926a4eac9cbf" providerId="LiveId" clId="{184137CD-D4D1-4D48-8674-BAEF84DDE4E7}" dt="2024-06-12T14:50:47.936" v="979" actId="1076"/>
         <pc:sldMkLst>
           <pc:docMk/>
           <pc:sldMk cId="1214127449" sldId="263"/>
         </pc:sldMkLst>
-        <pc:spChg chg="mod">
-          <ac:chgData name="Xaver Buttinger" userId="8270926a4eac9cbf" providerId="LiveId" clId="{184137CD-D4D1-4D48-8674-BAEF84DDE4E7}" dt="2024-06-12T14:38:58.948" v="849" actId="313"/>
+        <pc:spChg chg="del mod">
+          <ac:chgData name="Xaver Buttinger" userId="8270926a4eac9cbf" providerId="LiveId" clId="{184137CD-D4D1-4D48-8674-BAEF84DDE4E7}" dt="2024-06-12T14:50:35.549" v="974" actId="478"/>
           <ac:spMkLst>
             <pc:docMk/>
             <pc:sldMk cId="1214127449" sldId="263"/>
@@ -374,8 +387,16 @@
             <ac:spMk id="3" creationId="{423F6B81-0DBB-2725-979D-14E4AFB6D203}"/>
           </ac:spMkLst>
         </pc:spChg>
+        <pc:spChg chg="add del mod">
+          <ac:chgData name="Xaver Buttinger" userId="8270926a4eac9cbf" providerId="LiveId" clId="{184137CD-D4D1-4D48-8674-BAEF84DDE4E7}" dt="2024-06-12T14:50:37.534" v="975" actId="478"/>
+          <ac:spMkLst>
+            <pc:docMk/>
+            <pc:sldMk cId="1214127449" sldId="263"/>
+            <ac:spMk id="4" creationId="{7D08446D-1FDD-939B-2CF8-A3C314DA1956}"/>
+          </ac:spMkLst>
+        </pc:spChg>
         <pc:picChg chg="add mod ord">
-          <ac:chgData name="Xaver Buttinger" userId="8270926a4eac9cbf" providerId="LiveId" clId="{184137CD-D4D1-4D48-8674-BAEF84DDE4E7}" dt="2024-06-12T14:40:39.194" v="871" actId="1076"/>
+          <ac:chgData name="Xaver Buttinger" userId="8270926a4eac9cbf" providerId="LiveId" clId="{184137CD-D4D1-4D48-8674-BAEF84DDE4E7}" dt="2024-06-12T14:50:47.936" v="979" actId="1076"/>
           <ac:picMkLst>
             <pc:docMk/>
             <pc:sldMk cId="1214127449" sldId="263"/>
@@ -384,13 +405,13 @@
         </pc:picChg>
       </pc:sldChg>
       <pc:sldChg chg="addSp delSp modSp new mod">
-        <pc:chgData name="Xaver Buttinger" userId="8270926a4eac9cbf" providerId="LiveId" clId="{184137CD-D4D1-4D48-8674-BAEF84DDE4E7}" dt="2024-06-12T14:40:26.568" v="867" actId="1076"/>
+        <pc:chgData name="Xaver Buttinger" userId="8270926a4eac9cbf" providerId="LiveId" clId="{184137CD-D4D1-4D48-8674-BAEF84DDE4E7}" dt="2024-06-12T14:50:28.497" v="973" actId="1076"/>
         <pc:sldMkLst>
           <pc:docMk/>
           <pc:sldMk cId="2502718340" sldId="264"/>
         </pc:sldMkLst>
-        <pc:spChg chg="mod">
-          <ac:chgData name="Xaver Buttinger" userId="8270926a4eac9cbf" providerId="LiveId" clId="{184137CD-D4D1-4D48-8674-BAEF84DDE4E7}" dt="2024-06-12T14:40:01.501" v="858"/>
+        <pc:spChg chg="del mod">
+          <ac:chgData name="Xaver Buttinger" userId="8270926a4eac9cbf" providerId="LiveId" clId="{184137CD-D4D1-4D48-8674-BAEF84DDE4E7}" dt="2024-06-12T14:50:17.888" v="968" actId="478"/>
           <ac:spMkLst>
             <pc:docMk/>
             <pc:sldMk cId="2502718340" sldId="264"/>
@@ -405,6 +426,14 @@
             <ac:spMk id="3" creationId="{FDAF65AC-1AD5-9E50-3CE9-ACBC5572F27C}"/>
           </ac:spMkLst>
         </pc:spChg>
+        <pc:spChg chg="add del mod">
+          <ac:chgData name="Xaver Buttinger" userId="8270926a4eac9cbf" providerId="LiveId" clId="{184137CD-D4D1-4D48-8674-BAEF84DDE4E7}" dt="2024-06-12T14:50:20.967" v="969" actId="478"/>
+          <ac:spMkLst>
+            <pc:docMk/>
+            <pc:sldMk cId="2502718340" sldId="264"/>
+            <ac:spMk id="4" creationId="{B2CED3D6-8C1D-FDCB-E479-5B4C528C0734}"/>
+          </ac:spMkLst>
+        </pc:spChg>
         <pc:spChg chg="add del">
           <ac:chgData name="Xaver Buttinger" userId="8270926a4eac9cbf" providerId="LiveId" clId="{184137CD-D4D1-4D48-8674-BAEF84DDE4E7}" dt="2024-06-12T14:40:00.434" v="857" actId="22"/>
           <ac:spMkLst>
@@ -414,7 +443,7 @@
           </ac:spMkLst>
         </pc:spChg>
         <pc:picChg chg="add mod ord">
-          <ac:chgData name="Xaver Buttinger" userId="8270926a4eac9cbf" providerId="LiveId" clId="{184137CD-D4D1-4D48-8674-BAEF84DDE4E7}" dt="2024-06-12T14:40:26.568" v="867" actId="1076"/>
+          <ac:chgData name="Xaver Buttinger" userId="8270926a4eac9cbf" providerId="LiveId" clId="{184137CD-D4D1-4D48-8674-BAEF84DDE4E7}" dt="2024-06-12T14:50:28.497" v="973" actId="1076"/>
           <ac:picMkLst>
             <pc:docMk/>
             <pc:sldMk cId="2502718340" sldId="264"/>
@@ -423,7 +452,7 @@
         </pc:picChg>
       </pc:sldChg>
       <pc:sldChg chg="modSp new mod">
-        <pc:chgData name="Xaver Buttinger" userId="8270926a4eac9cbf" providerId="LiveId" clId="{184137CD-D4D1-4D48-8674-BAEF84DDE4E7}" dt="2024-06-12T14:45:49.341" v="941" actId="27636"/>
+        <pc:chgData name="Xaver Buttinger" userId="8270926a4eac9cbf" providerId="LiveId" clId="{184137CD-D4D1-4D48-8674-BAEF84DDE4E7}" dt="2024-06-12T14:50:59.355" v="984" actId="15"/>
         <pc:sldMkLst>
           <pc:docMk/>
           <pc:sldMk cId="1432424079" sldId="265"/>
@@ -437,7 +466,7 @@
           </ac:spMkLst>
         </pc:spChg>
         <pc:spChg chg="mod">
-          <ac:chgData name="Xaver Buttinger" userId="8270926a4eac9cbf" providerId="LiveId" clId="{184137CD-D4D1-4D48-8674-BAEF84DDE4E7}" dt="2024-06-12T14:45:49.341" v="941" actId="27636"/>
+          <ac:chgData name="Xaver Buttinger" userId="8270926a4eac9cbf" providerId="LiveId" clId="{184137CD-D4D1-4D48-8674-BAEF84DDE4E7}" dt="2024-06-12T14:50:59.355" v="984" actId="15"/>
           <ac:spMkLst>
             <pc:docMk/>
             <pc:sldMk cId="1432424079" sldId="265"/>
@@ -446,13 +475,13 @@
         </pc:spChg>
       </pc:sldChg>
       <pc:sldChg chg="addSp delSp modSp new mod">
-        <pc:chgData name="Xaver Buttinger" userId="8270926a4eac9cbf" providerId="LiveId" clId="{184137CD-D4D1-4D48-8674-BAEF84DDE4E7}" dt="2024-06-12T14:40:14.803" v="862" actId="14100"/>
+        <pc:chgData name="Xaver Buttinger" userId="8270926a4eac9cbf" providerId="LiveId" clId="{184137CD-D4D1-4D48-8674-BAEF84DDE4E7}" dt="2024-06-12T14:50:13.544" v="967" actId="1076"/>
         <pc:sldMkLst>
           <pc:docMk/>
           <pc:sldMk cId="3679633625" sldId="266"/>
         </pc:sldMkLst>
-        <pc:spChg chg="mod">
-          <ac:chgData name="Xaver Buttinger" userId="8270926a4eac9cbf" providerId="LiveId" clId="{184137CD-D4D1-4D48-8674-BAEF84DDE4E7}" dt="2024-06-12T14:40:04.657" v="859"/>
+        <pc:spChg chg="del mod">
+          <ac:chgData name="Xaver Buttinger" userId="8270926a4eac9cbf" providerId="LiveId" clId="{184137CD-D4D1-4D48-8674-BAEF84DDE4E7}" dt="2024-06-12T14:50:02.130" v="965" actId="478"/>
           <ac:spMkLst>
             <pc:docMk/>
             <pc:sldMk cId="3679633625" sldId="266"/>
@@ -467,8 +496,16 @@
             <ac:spMk id="3" creationId="{562D4A3F-85D7-99AC-0F1A-A4C560958218}"/>
           </ac:spMkLst>
         </pc:spChg>
+        <pc:spChg chg="add del mod">
+          <ac:chgData name="Xaver Buttinger" userId="8270926a4eac9cbf" providerId="LiveId" clId="{184137CD-D4D1-4D48-8674-BAEF84DDE4E7}" dt="2024-06-12T14:50:04.297" v="966" actId="478"/>
+          <ac:spMkLst>
+            <pc:docMk/>
+            <pc:sldMk cId="3679633625" sldId="266"/>
+            <ac:spMk id="4" creationId="{352ADFAF-1183-03B7-8895-2F98E4399124}"/>
+          </ac:spMkLst>
+        </pc:spChg>
         <pc:picChg chg="add mod ord">
-          <ac:chgData name="Xaver Buttinger" userId="8270926a4eac9cbf" providerId="LiveId" clId="{184137CD-D4D1-4D48-8674-BAEF84DDE4E7}" dt="2024-06-12T14:40:14.803" v="862" actId="14100"/>
+          <ac:chgData name="Xaver Buttinger" userId="8270926a4eac9cbf" providerId="LiveId" clId="{184137CD-D4D1-4D48-8674-BAEF84DDE4E7}" dt="2024-06-12T14:50:13.544" v="967" actId="1076"/>
           <ac:picMkLst>
             <pc:docMk/>
             <pc:sldMk cId="3679633625" sldId="266"/>
@@ -756,7 +793,7 @@
               <a:rPr lang="de-AT" smtClean="0"/>
               <a:t>‹Nr.›</a:t>
             </a:fld>
-            <a:endParaRPr lang="de-AT"/>
+            <a:endParaRPr lang="de-AT" dirty="0"/>
           </a:p>
         </p:txBody>
       </p:sp>
@@ -3850,6 +3887,45 @@
           </a:p>
         </p:txBody>
       </p:sp>
+      <p:pic>
+        <p:nvPicPr>
+          <p:cNvPr id="5" name="Grafik 4" descr="Bier mit einfarbiger Füllung">
+            <a:extLst>
+              <a:ext uri="{FF2B5EF4-FFF2-40B4-BE49-F238E27FC236}">
+                <a16:creationId xmlns:a16="http://schemas.microsoft.com/office/drawing/2014/main" id="{A678DCDA-CA2C-834F-D6DB-E6EE179A92D6}"/>
+              </a:ext>
+            </a:extLst>
+          </p:cNvPr>
+          <p:cNvPicPr>
+            <a:picLocks noChangeAspect="1"/>
+          </p:cNvPicPr>
+          <p:nvPr/>
+        </p:nvPicPr>
+        <p:blipFill>
+          <a:blip r:embed="rId2">
+            <a:extLst>
+              <a:ext uri="{28A0092B-C50C-407E-A947-70E740481C1C}">
+                <a14:useLocalDpi xmlns:a14="http://schemas.microsoft.com/office/drawing/2010/main" val="0"/>
+              </a:ext>
+              <a:ext uri="{96DAC541-7B7A-43D3-8B79-37D633B846F1}">
+                <asvg:svgBlip xmlns:asvg="http://schemas.microsoft.com/office/drawing/2016/SVG/main" r:embed="rId3"/>
+              </a:ext>
+            </a:extLst>
+          </a:blip>
+          <a:stretch>
+            <a:fillRect/>
+          </a:stretch>
+        </p:blipFill>
+        <p:spPr>
+          <a:xfrm>
+            <a:off x="5638800" y="1600200"/>
+            <a:ext cx="914400" cy="914400"/>
+          </a:xfrm>
+          <a:prstGeom prst="rect">
+            <a:avLst/>
+          </a:prstGeom>
+        </p:spPr>
+      </p:pic>
     </p:spTree>
     <p:extLst>
       <p:ext uri="{BB962C8B-B14F-4D97-AF65-F5344CB8AC3E}">
@@ -3880,35 +3956,6 @@
           <a:chExt cx="0" cy="0"/>
         </a:xfrm>
       </p:grpSpPr>
-      <p:sp>
-        <p:nvSpPr>
-          <p:cNvPr id="2" name="Titel 1">
-            <a:extLst>
-              <a:ext uri="{FF2B5EF4-FFF2-40B4-BE49-F238E27FC236}">
-                <a16:creationId xmlns:a16="http://schemas.microsoft.com/office/drawing/2014/main" id="{F70D36AC-7C38-E48E-77C3-7BFBB253B286}"/>
-              </a:ext>
-            </a:extLst>
-          </p:cNvPr>
-          <p:cNvSpPr>
-            <a:spLocks noGrp="1"/>
-          </p:cNvSpPr>
-          <p:nvPr>
-            <p:ph type="title"/>
-          </p:nvPr>
-        </p:nvSpPr>
-        <p:spPr/>
-        <p:txBody>
-          <a:bodyPr/>
-          <a:lstStyle/>
-          <a:p>
-            <a:r>
-              <a:rPr lang="en-AT" dirty="0"/>
-              <a:t>Cluster Analysis</a:t>
-            </a:r>
-            <a:endParaRPr lang="de-AT" dirty="0"/>
-          </a:p>
-        </p:txBody>
-      </p:sp>
       <p:pic>
         <p:nvPicPr>
           <p:cNvPr id="5" name="Inhaltsplatzhalter 4">
@@ -3933,8 +3980,8 @@
         </p:blipFill>
         <p:spPr>
           <a:xfrm>
-            <a:off x="1676437" y="1187459"/>
-            <a:ext cx="9049620" cy="5429772"/>
+            <a:off x="624921" y="146352"/>
+            <a:ext cx="10942158" cy="6565295"/>
           </a:xfrm>
         </p:spPr>
       </p:pic>
@@ -3968,35 +4015,6 @@
           <a:chExt cx="0" cy="0"/>
         </a:xfrm>
       </p:grpSpPr>
-      <p:sp>
-        <p:nvSpPr>
-          <p:cNvPr id="2" name="Titel 1">
-            <a:extLst>
-              <a:ext uri="{FF2B5EF4-FFF2-40B4-BE49-F238E27FC236}">
-                <a16:creationId xmlns:a16="http://schemas.microsoft.com/office/drawing/2014/main" id="{36DEB955-5F77-D3E4-CB82-1E75BD21FBFD}"/>
-              </a:ext>
-            </a:extLst>
-          </p:cNvPr>
-          <p:cNvSpPr>
-            <a:spLocks noGrp="1"/>
-          </p:cNvSpPr>
-          <p:nvPr>
-            <p:ph type="title"/>
-          </p:nvPr>
-        </p:nvSpPr>
-        <p:spPr/>
-        <p:txBody>
-          <a:bodyPr/>
-          <a:lstStyle/>
-          <a:p>
-            <a:r>
-              <a:rPr lang="en-AT" dirty="0"/>
-              <a:t>Cluster Analysis</a:t>
-            </a:r>
-            <a:endParaRPr lang="de-AT" dirty="0"/>
-          </a:p>
-        </p:txBody>
-      </p:sp>
       <p:pic>
         <p:nvPicPr>
           <p:cNvPr id="5" name="Inhaltsplatzhalter 4">
@@ -4021,7 +4039,7 @@
         </p:blipFill>
         <p:spPr>
           <a:xfrm>
-            <a:off x="4702630" y="101599"/>
+            <a:off x="2356154" y="56400"/>
             <a:ext cx="7305524" cy="6745199"/>
           </a:xfrm>
         </p:spPr>
@@ -4104,7 +4122,7 @@
         <p:spPr/>
         <p:txBody>
           <a:bodyPr>
-            <a:normAutofit lnSpcReduction="10000"/>
+            <a:normAutofit/>
           </a:bodyPr>
           <a:lstStyle/>
           <a:p>
@@ -4134,6 +4152,7 @@
             <a:endParaRPr lang="en-AT" dirty="0"/>
           </a:p>
           <a:p>
+            <a:pPr lvl="1"/>
             <a:r>
               <a:rPr lang="en-US" dirty="0"/>
               <a:t>In total, 84 out of 250 beers (34%) are of the most common type in their respective cluster.</a:t>
@@ -4143,6 +4162,7 @@
             <a:endParaRPr lang="en-US" dirty="0"/>
           </a:p>
           <a:p>
+            <a:pPr lvl="1"/>
             <a:r>
               <a:rPr lang="en-US" dirty="0"/>
               <a:t>The calculation shows that the same beer types tend to be in different clusters. Only about one-third of the beers are of the most common type in their cluster. The clustering does not seem to strongly correlate with the beer types.</a:t>
@@ -5786,35 +5806,6 @@
           <a:chExt cx="0" cy="0"/>
         </a:xfrm>
       </p:grpSpPr>
-      <p:sp>
-        <p:nvSpPr>
-          <p:cNvPr id="2" name="Titel 1">
-            <a:extLst>
-              <a:ext uri="{FF2B5EF4-FFF2-40B4-BE49-F238E27FC236}">
-                <a16:creationId xmlns:a16="http://schemas.microsoft.com/office/drawing/2014/main" id="{4DC2F834-E191-B45A-D75C-F17D574FC3BA}"/>
-              </a:ext>
-            </a:extLst>
-          </p:cNvPr>
-          <p:cNvSpPr>
-            <a:spLocks noGrp="1"/>
-          </p:cNvSpPr>
-          <p:nvPr>
-            <p:ph type="title"/>
-          </p:nvPr>
-        </p:nvSpPr>
-        <p:spPr/>
-        <p:txBody>
-          <a:bodyPr/>
-          <a:lstStyle/>
-          <a:p>
-            <a:r>
-              <a:rPr lang="en-AT" dirty="0"/>
-              <a:t>Cluster Analysis</a:t>
-            </a:r>
-            <a:endParaRPr lang="de-AT" dirty="0"/>
-          </a:p>
-        </p:txBody>
-      </p:sp>
       <p:pic>
         <p:nvPicPr>
           <p:cNvPr id="5" name="Inhaltsplatzhalter 4">
@@ -5839,8 +5830,8 @@
         </p:blipFill>
         <p:spPr>
           <a:xfrm>
-            <a:off x="391618" y="1335313"/>
-            <a:ext cx="11100311" cy="5485115"/>
+            <a:off x="169066" y="521304"/>
+            <a:ext cx="11768698" cy="5815392"/>
           </a:xfrm>
         </p:spPr>
       </p:pic>

--- a/presentation/Beer.pptx
+++ b/presentation/Beer.pptx
@@ -17,6 +17,10 @@
     <p:sldId id="264" r:id="rId11"/>
     <p:sldId id="266" r:id="rId12"/>
     <p:sldId id="265" r:id="rId13"/>
+    <p:sldId id="269" r:id="rId14"/>
+    <p:sldId id="270" r:id="rId15"/>
+    <p:sldId id="271" r:id="rId16"/>
+    <p:sldId id="272" r:id="rId17"/>
   </p:sldIdLst>
   <p:sldSz cx="12192000" cy="6858000"/>
   <p:notesSz cx="6858000" cy="9144000"/>
@@ -116,6 +120,30 @@
     </a:lvl9pPr>
   </p:defaultTextStyle>
   <p:extLst>
+    <p:ext uri="{521415D9-36F7-43E2-AB2F-B90AF26B5E84}">
+      <p14:sectionLst xmlns:p14="http://schemas.microsoft.com/office/powerpoint/2010/main">
+        <p14:section name="Standardabschnitt" id="{F4773E21-9AE4-49B5-BE45-EB851CC9609A}">
+          <p14:sldIdLst>
+            <p14:sldId id="256"/>
+            <p14:sldId id="259"/>
+            <p14:sldId id="257"/>
+            <p14:sldId id="258"/>
+            <p14:sldId id="260"/>
+            <p14:sldId id="261"/>
+            <p14:sldId id="267"/>
+            <p14:sldId id="268"/>
+            <p14:sldId id="263"/>
+            <p14:sldId id="264"/>
+            <p14:sldId id="266"/>
+            <p14:sldId id="265"/>
+            <p14:sldId id="269"/>
+            <p14:sldId id="270"/>
+            <p14:sldId id="271"/>
+            <p14:sldId id="272"/>
+          </p14:sldIdLst>
+        </p14:section>
+      </p14:sectionLst>
+    </p:ext>
     <p:ext uri="{EFAFB233-063F-42B5-8137-9DF3F51BA10A}">
       <p15:sldGuideLst xmlns:p15="http://schemas.microsoft.com/office/powerpoint/2012/main"/>
     </p:ext>
@@ -126,7 +154,7 @@
 <file path=ppt/revisionInfo.xml><?xml version="1.0" encoding="utf-8"?>
 <p1510:revInfo xmlns:a="http://schemas.openxmlformats.org/drawingml/2006/main" xmlns:r="http://schemas.openxmlformats.org/officeDocument/2006/relationships" xmlns:p1510="http://schemas.microsoft.com/office/powerpoint/2015/10/main">
   <p1510:revLst>
-    <p1510:client id="{184137CD-D4D1-4D48-8674-BAEF84DDE4E7}" v="8" dt="2024-06-12T14:49:23.485"/>
+    <p1510:client id="{184137CD-D4D1-4D48-8674-BAEF84DDE4E7}" v="14" dt="2024-06-13T08:50:00.648"/>
   </p1510:revLst>
 </p1510:revInfo>
 </file>
@@ -135,13 +163,13 @@
 <pc:chgInfo xmlns:a="http://schemas.openxmlformats.org/drawingml/2006/main" xmlns:r="http://schemas.openxmlformats.org/officeDocument/2006/relationships" xmlns:ac="http://schemas.microsoft.com/office/drawing/2013/main/command" xmlns:pc="http://schemas.microsoft.com/office/powerpoint/2013/main/command">
   <pc:docChgLst>
     <pc:chgData name="Xaver Buttinger" userId="8270926a4eac9cbf" providerId="LiveId" clId="{184137CD-D4D1-4D48-8674-BAEF84DDE4E7}"/>
-    <pc:docChg chg="undo redo custSel addSld delSld modSld">
-      <pc:chgData name="Xaver Buttinger" userId="8270926a4eac9cbf" providerId="LiveId" clId="{184137CD-D4D1-4D48-8674-BAEF84DDE4E7}" dt="2024-06-12T14:50:59.355" v="984" actId="15"/>
+    <pc:docChg chg="undo redo custSel addSld delSld modSld addSection delSection modSection">
+      <pc:chgData name="Xaver Buttinger" userId="8270926a4eac9cbf" providerId="LiveId" clId="{184137CD-D4D1-4D48-8674-BAEF84DDE4E7}" dt="2024-06-13T08:50:04.560" v="1193" actId="20577"/>
       <pc:docMkLst>
         <pc:docMk/>
       </pc:docMkLst>
-      <pc:sldChg chg="addSp modSp mod">
-        <pc:chgData name="Xaver Buttinger" userId="8270926a4eac9cbf" providerId="LiveId" clId="{184137CD-D4D1-4D48-8674-BAEF84DDE4E7}" dt="2024-06-12T14:49:36.374" v="964" actId="1076"/>
+      <pc:sldChg chg="addSp delSp modSp mod">
+        <pc:chgData name="Xaver Buttinger" userId="8270926a4eac9cbf" providerId="LiveId" clId="{184137CD-D4D1-4D48-8674-BAEF84DDE4E7}" dt="2024-06-12T15:34:44.582" v="995" actId="478"/>
         <pc:sldMkLst>
           <pc:docMk/>
           <pc:sldMk cId="182161736" sldId="256"/>
@@ -160,6 +188,14 @@
             <pc:docMk/>
             <pc:sldMk cId="182161736" sldId="256"/>
             <ac:spMk id="3" creationId="{47ECE532-324A-4B22-1AA1-4C81994E1D65}"/>
+          </ac:spMkLst>
+        </pc:spChg>
+        <pc:spChg chg="add del mod">
+          <ac:chgData name="Xaver Buttinger" userId="8270926a4eac9cbf" providerId="LiveId" clId="{184137CD-D4D1-4D48-8674-BAEF84DDE4E7}" dt="2024-06-12T15:34:44.582" v="995" actId="478"/>
+          <ac:spMkLst>
+            <pc:docMk/>
+            <pc:sldMk cId="182161736" sldId="256"/>
+            <ac:spMk id="4" creationId="{445EC8CC-5CA2-086F-B00B-3A583DA950B3}"/>
           </ac:spMkLst>
         </pc:spChg>
         <pc:picChg chg="add mod">
@@ -272,8 +308,8 @@
           </ac:spMkLst>
         </pc:spChg>
       </pc:sldChg>
-      <pc:sldChg chg="modSp new mod">
-        <pc:chgData name="Xaver Buttinger" userId="8270926a4eac9cbf" providerId="LiveId" clId="{184137CD-D4D1-4D48-8674-BAEF84DDE4E7}" dt="2024-06-12T14:34:27.190" v="746" actId="27636"/>
+      <pc:sldChg chg="addSp delSp modSp new mod">
+        <pc:chgData name="Xaver Buttinger" userId="8270926a4eac9cbf" providerId="LiveId" clId="{184137CD-D4D1-4D48-8674-BAEF84DDE4E7}" dt="2024-06-12T14:52:59.992" v="986" actId="478"/>
         <pc:sldMkLst>
           <pc:docMk/>
           <pc:sldMk cId="756788421" sldId="260"/>
@@ -294,6 +330,14 @@
             <ac:spMk id="3" creationId="{121AB197-E53C-CD63-134B-2A147AAB59A1}"/>
           </ac:spMkLst>
         </pc:spChg>
+        <pc:picChg chg="add del mod">
+          <ac:chgData name="Xaver Buttinger" userId="8270926a4eac9cbf" providerId="LiveId" clId="{184137CD-D4D1-4D48-8674-BAEF84DDE4E7}" dt="2024-06-12T14:52:59.992" v="986" actId="478"/>
+          <ac:picMkLst>
+            <pc:docMk/>
+            <pc:sldMk cId="756788421" sldId="260"/>
+            <ac:picMk id="5" creationId="{AD2ED6F5-7785-2233-ABCC-06D751BE100D}"/>
+          </ac:picMkLst>
+        </pc:picChg>
       </pc:sldChg>
       <pc:sldChg chg="addSp delSp modSp new mod">
         <pc:chgData name="Xaver Buttinger" userId="8270926a4eac9cbf" providerId="LiveId" clId="{184137CD-D4D1-4D48-8674-BAEF84DDE4E7}" dt="2024-06-12T14:38:08.967" v="823" actId="13822"/>
@@ -513,8 +557,8 @@
           </ac:picMkLst>
         </pc:picChg>
       </pc:sldChg>
-      <pc:sldChg chg="modSp new mod">
-        <pc:chgData name="Xaver Buttinger" userId="8270926a4eac9cbf" providerId="LiveId" clId="{184137CD-D4D1-4D48-8674-BAEF84DDE4E7}" dt="2024-06-12T14:41:16.767" v="886" actId="20577"/>
+      <pc:sldChg chg="addSp delSp modSp new mod">
+        <pc:chgData name="Xaver Buttinger" userId="8270926a4eac9cbf" providerId="LiveId" clId="{184137CD-D4D1-4D48-8674-BAEF84DDE4E7}" dt="2024-06-12T14:54:21.633" v="992" actId="478"/>
         <pc:sldMkLst>
           <pc:docMk/>
           <pc:sldMk cId="3627217520" sldId="267"/>
@@ -535,9 +579,17 @@
             <ac:spMk id="3" creationId="{6C2FA5BC-0BB7-F03C-23FD-4E4925814B2E}"/>
           </ac:spMkLst>
         </pc:spChg>
+        <pc:picChg chg="add del mod">
+          <ac:chgData name="Xaver Buttinger" userId="8270926a4eac9cbf" providerId="LiveId" clId="{184137CD-D4D1-4D48-8674-BAEF84DDE4E7}" dt="2024-06-12T14:54:21.633" v="992" actId="478"/>
+          <ac:picMkLst>
+            <pc:docMk/>
+            <pc:sldMk cId="3627217520" sldId="267"/>
+            <ac:picMk id="4" creationId="{65574054-A0D0-4BC7-9C5A-FAC8DB2B0164}"/>
+          </ac:picMkLst>
+        </pc:picChg>
       </pc:sldChg>
       <pc:sldChg chg="addSp delSp modSp add mod setBg">
-        <pc:chgData name="Xaver Buttinger" userId="8270926a4eac9cbf" providerId="LiveId" clId="{184137CD-D4D1-4D48-8674-BAEF84DDE4E7}" dt="2024-06-12T14:44:52.399" v="901" actId="20577"/>
+        <pc:chgData name="Xaver Buttinger" userId="8270926a4eac9cbf" providerId="LiveId" clId="{184137CD-D4D1-4D48-8674-BAEF84DDE4E7}" dt="2024-06-12T14:53:50.535" v="990" actId="21"/>
         <pc:sldMkLst>
           <pc:docMk/>
           <pc:sldMk cId="3505365388" sldId="268"/>
@@ -582,6 +634,82 @@
             <ac:graphicFrameMk id="4" creationId="{5C496432-0E49-40CA-BDDD-86D3A562D823}"/>
           </ac:graphicFrameMkLst>
         </pc:graphicFrameChg>
+        <pc:picChg chg="add del mod">
+          <ac:chgData name="Xaver Buttinger" userId="8270926a4eac9cbf" providerId="LiveId" clId="{184137CD-D4D1-4D48-8674-BAEF84DDE4E7}" dt="2024-06-12T14:53:50.535" v="990" actId="21"/>
+          <ac:picMkLst>
+            <pc:docMk/>
+            <pc:sldMk cId="3505365388" sldId="268"/>
+            <ac:picMk id="3" creationId="{65574054-A0D0-4BC7-9C5A-FAC8DB2B0164}"/>
+          </ac:picMkLst>
+        </pc:picChg>
+      </pc:sldChg>
+      <pc:sldChg chg="modSp new mod">
+        <pc:chgData name="Xaver Buttinger" userId="8270926a4eac9cbf" providerId="LiveId" clId="{184137CD-D4D1-4D48-8674-BAEF84DDE4E7}" dt="2024-06-13T07:02:43.514" v="1164" actId="20577"/>
+        <pc:sldMkLst>
+          <pc:docMk/>
+          <pc:sldMk cId="2470799124" sldId="269"/>
+        </pc:sldMkLst>
+        <pc:spChg chg="mod">
+          <ac:chgData name="Xaver Buttinger" userId="8270926a4eac9cbf" providerId="LiveId" clId="{184137CD-D4D1-4D48-8674-BAEF84DDE4E7}" dt="2024-06-13T07:02:17.275" v="1031" actId="20577"/>
+          <ac:spMkLst>
+            <pc:docMk/>
+            <pc:sldMk cId="2470799124" sldId="269"/>
+            <ac:spMk id="2" creationId="{B84C34F3-A302-8DEC-DF11-0704068220F3}"/>
+          </ac:spMkLst>
+        </pc:spChg>
+        <pc:spChg chg="mod">
+          <ac:chgData name="Xaver Buttinger" userId="8270926a4eac9cbf" providerId="LiveId" clId="{184137CD-D4D1-4D48-8674-BAEF84DDE4E7}" dt="2024-06-13T07:02:43.514" v="1164" actId="20577"/>
+          <ac:spMkLst>
+            <pc:docMk/>
+            <pc:sldMk cId="2470799124" sldId="269"/>
+            <ac:spMk id="3" creationId="{8DB601E1-62AA-F125-F1D9-87DCA3C05F2D}"/>
+          </ac:spMkLst>
+        </pc:spChg>
+      </pc:sldChg>
+      <pc:sldChg chg="modSp new mod">
+        <pc:chgData name="Xaver Buttinger" userId="8270926a4eac9cbf" providerId="LiveId" clId="{184137CD-D4D1-4D48-8674-BAEF84DDE4E7}" dt="2024-06-13T08:49:52.919" v="1174" actId="20577"/>
+        <pc:sldMkLst>
+          <pc:docMk/>
+          <pc:sldMk cId="2698488688" sldId="270"/>
+        </pc:sldMkLst>
+        <pc:spChg chg="mod">
+          <ac:chgData name="Xaver Buttinger" userId="8270926a4eac9cbf" providerId="LiveId" clId="{184137CD-D4D1-4D48-8674-BAEF84DDE4E7}" dt="2024-06-13T08:49:52.919" v="1174" actId="20577"/>
+          <ac:spMkLst>
+            <pc:docMk/>
+            <pc:sldMk cId="2698488688" sldId="270"/>
+            <ac:spMk id="2" creationId="{1ED49EFD-1D01-0873-978E-2689F46DADA3}"/>
+          </ac:spMkLst>
+        </pc:spChg>
+      </pc:sldChg>
+      <pc:sldChg chg="modSp add mod">
+        <pc:chgData name="Xaver Buttinger" userId="8270926a4eac9cbf" providerId="LiveId" clId="{184137CD-D4D1-4D48-8674-BAEF84DDE4E7}" dt="2024-06-13T08:49:58.264" v="1183" actId="20577"/>
+        <pc:sldMkLst>
+          <pc:docMk/>
+          <pc:sldMk cId="992688182" sldId="271"/>
+        </pc:sldMkLst>
+        <pc:spChg chg="mod">
+          <ac:chgData name="Xaver Buttinger" userId="8270926a4eac9cbf" providerId="LiveId" clId="{184137CD-D4D1-4D48-8674-BAEF84DDE4E7}" dt="2024-06-13T08:49:58.264" v="1183" actId="20577"/>
+          <ac:spMkLst>
+            <pc:docMk/>
+            <pc:sldMk cId="992688182" sldId="271"/>
+            <ac:spMk id="2" creationId="{1ED49EFD-1D01-0873-978E-2689F46DADA3}"/>
+          </ac:spMkLst>
+        </pc:spChg>
+      </pc:sldChg>
+      <pc:sldChg chg="modSp add mod">
+        <pc:chgData name="Xaver Buttinger" userId="8270926a4eac9cbf" providerId="LiveId" clId="{184137CD-D4D1-4D48-8674-BAEF84DDE4E7}" dt="2024-06-13T08:50:04.560" v="1193" actId="20577"/>
+        <pc:sldMkLst>
+          <pc:docMk/>
+          <pc:sldMk cId="1426337527" sldId="272"/>
+        </pc:sldMkLst>
+        <pc:spChg chg="mod">
+          <ac:chgData name="Xaver Buttinger" userId="8270926a4eac9cbf" providerId="LiveId" clId="{184137CD-D4D1-4D48-8674-BAEF84DDE4E7}" dt="2024-06-13T08:50:04.560" v="1193" actId="20577"/>
+          <ac:spMkLst>
+            <pc:docMk/>
+            <pc:sldMk cId="1426337527" sldId="272"/>
+            <ac:spMk id="2" creationId="{1ED49EFD-1D01-0873-978E-2689F46DADA3}"/>
+          </ac:spMkLst>
+        </pc:spChg>
       </pc:sldChg>
     </pc:docChg>
   </pc:docChgLst>
@@ -737,7 +865,7 @@
           <a:p>
             <a:fld id="{8A37FB5B-033B-476D-8447-05C9B25C0721}" type="datetimeFigureOut">
               <a:rPr lang="de-AT" smtClean="0"/>
-              <a:t>12.06.2024</a:t>
+              <a:t>13.06.2024</a:t>
             </a:fld>
             <a:endParaRPr lang="de-AT"/>
           </a:p>
@@ -937,7 +1065,7 @@
           <a:p>
             <a:fld id="{8A37FB5B-033B-476D-8447-05C9B25C0721}" type="datetimeFigureOut">
               <a:rPr lang="de-AT" smtClean="0"/>
-              <a:t>12.06.2024</a:t>
+              <a:t>13.06.2024</a:t>
             </a:fld>
             <a:endParaRPr lang="de-AT"/>
           </a:p>
@@ -1147,7 +1275,7 @@
           <a:p>
             <a:fld id="{8A37FB5B-033B-476D-8447-05C9B25C0721}" type="datetimeFigureOut">
               <a:rPr lang="de-AT" smtClean="0"/>
-              <a:t>12.06.2024</a:t>
+              <a:t>13.06.2024</a:t>
             </a:fld>
             <a:endParaRPr lang="de-AT"/>
           </a:p>
@@ -1347,7 +1475,7 @@
           <a:p>
             <a:fld id="{8A37FB5B-033B-476D-8447-05C9B25C0721}" type="datetimeFigureOut">
               <a:rPr lang="de-AT" smtClean="0"/>
-              <a:t>12.06.2024</a:t>
+              <a:t>13.06.2024</a:t>
             </a:fld>
             <a:endParaRPr lang="de-AT"/>
           </a:p>
@@ -1623,7 +1751,7 @@
           <a:p>
             <a:fld id="{8A37FB5B-033B-476D-8447-05C9B25C0721}" type="datetimeFigureOut">
               <a:rPr lang="de-AT" smtClean="0"/>
-              <a:t>12.06.2024</a:t>
+              <a:t>13.06.2024</a:t>
             </a:fld>
             <a:endParaRPr lang="de-AT"/>
           </a:p>
@@ -1891,7 +2019,7 @@
           <a:p>
             <a:fld id="{8A37FB5B-033B-476D-8447-05C9B25C0721}" type="datetimeFigureOut">
               <a:rPr lang="de-AT" smtClean="0"/>
-              <a:t>12.06.2024</a:t>
+              <a:t>13.06.2024</a:t>
             </a:fld>
             <a:endParaRPr lang="de-AT"/>
           </a:p>
@@ -2306,7 +2434,7 @@
           <a:p>
             <a:fld id="{8A37FB5B-033B-476D-8447-05C9B25C0721}" type="datetimeFigureOut">
               <a:rPr lang="de-AT" smtClean="0"/>
-              <a:t>12.06.2024</a:t>
+              <a:t>13.06.2024</a:t>
             </a:fld>
             <a:endParaRPr lang="de-AT"/>
           </a:p>
@@ -2448,7 +2576,7 @@
           <a:p>
             <a:fld id="{8A37FB5B-033B-476D-8447-05C9B25C0721}" type="datetimeFigureOut">
               <a:rPr lang="de-AT" smtClean="0"/>
-              <a:t>12.06.2024</a:t>
+              <a:t>13.06.2024</a:t>
             </a:fld>
             <a:endParaRPr lang="de-AT"/>
           </a:p>
@@ -2561,7 +2689,7 @@
           <a:p>
             <a:fld id="{8A37FB5B-033B-476D-8447-05C9B25C0721}" type="datetimeFigureOut">
               <a:rPr lang="de-AT" smtClean="0"/>
-              <a:t>12.06.2024</a:t>
+              <a:t>13.06.2024</a:t>
             </a:fld>
             <a:endParaRPr lang="de-AT"/>
           </a:p>
@@ -2874,7 +3002,7 @@
           <a:p>
             <a:fld id="{8A37FB5B-033B-476D-8447-05C9B25C0721}" type="datetimeFigureOut">
               <a:rPr lang="de-AT" smtClean="0"/>
-              <a:t>12.06.2024</a:t>
+              <a:t>13.06.2024</a:t>
             </a:fld>
             <a:endParaRPr lang="de-AT"/>
           </a:p>
@@ -3163,7 +3291,7 @@
           <a:p>
             <a:fld id="{8A37FB5B-033B-476D-8447-05C9B25C0721}" type="datetimeFigureOut">
               <a:rPr lang="de-AT" smtClean="0"/>
-              <a:t>12.06.2024</a:t>
+              <a:t>13.06.2024</a:t>
             </a:fld>
             <a:endParaRPr lang="de-AT"/>
           </a:p>
@@ -3406,7 +3534,7 @@
           <a:p>
             <a:fld id="{8A37FB5B-033B-476D-8447-05C9B25C0721}" type="datetimeFigureOut">
               <a:rPr lang="de-AT" smtClean="0"/>
-              <a:t>12.06.2024</a:t>
+              <a:t>13.06.2024</a:t>
             </a:fld>
             <a:endParaRPr lang="de-AT"/>
           </a:p>
@@ -4175,6 +4303,352 @@
     <p:extLst>
       <p:ext uri="{BB962C8B-B14F-4D97-AF65-F5344CB8AC3E}">
         <p14:creationId xmlns:p14="http://schemas.microsoft.com/office/powerpoint/2010/main" val="1432424079"/>
+      </p:ext>
+    </p:extLst>
+  </p:cSld>
+  <p:clrMapOvr>
+    <a:masterClrMapping/>
+  </p:clrMapOvr>
+</p:sld>
+</file>
+
+<file path=ppt/slides/slide13.xml><?xml version="1.0" encoding="utf-8"?>
+<p:sld xmlns:a="http://schemas.openxmlformats.org/drawingml/2006/main" xmlns:r="http://schemas.openxmlformats.org/officeDocument/2006/relationships" xmlns:p="http://schemas.openxmlformats.org/presentationml/2006/main">
+  <p:cSld>
+    <p:spTree>
+      <p:nvGrpSpPr>
+        <p:cNvPr id="1" name=""/>
+        <p:cNvGrpSpPr/>
+        <p:nvPr/>
+      </p:nvGrpSpPr>
+      <p:grpSpPr>
+        <a:xfrm>
+          <a:off x="0" y="0"/>
+          <a:ext cx="0" cy="0"/>
+          <a:chOff x="0" y="0"/>
+          <a:chExt cx="0" cy="0"/>
+        </a:xfrm>
+      </p:grpSpPr>
+      <p:sp>
+        <p:nvSpPr>
+          <p:cNvPr id="2" name="Titel 1">
+            <a:extLst>
+              <a:ext uri="{FF2B5EF4-FFF2-40B4-BE49-F238E27FC236}">
+                <a16:creationId xmlns:a16="http://schemas.microsoft.com/office/drawing/2014/main" id="{B84C34F3-A302-8DEC-DF11-0704068220F3}"/>
+              </a:ext>
+            </a:extLst>
+          </p:cNvPr>
+          <p:cNvSpPr>
+            <a:spLocks noGrp="1"/>
+          </p:cNvSpPr>
+          <p:nvPr>
+            <p:ph type="title"/>
+          </p:nvPr>
+        </p:nvSpPr>
+        <p:spPr/>
+        <p:txBody>
+          <a:bodyPr/>
+          <a:lstStyle/>
+          <a:p>
+            <a:r>
+              <a:rPr lang="en-AT" dirty="0"/>
+              <a:t>Feature Analysis</a:t>
+            </a:r>
+            <a:endParaRPr lang="de-AT" dirty="0"/>
+          </a:p>
+        </p:txBody>
+      </p:sp>
+      <p:sp>
+        <p:nvSpPr>
+          <p:cNvPr id="3" name="Inhaltsplatzhalter 2">
+            <a:extLst>
+              <a:ext uri="{FF2B5EF4-FFF2-40B4-BE49-F238E27FC236}">
+                <a16:creationId xmlns:a16="http://schemas.microsoft.com/office/drawing/2014/main" id="{8DB601E1-62AA-F125-F1D9-87DCA3C05F2D}"/>
+              </a:ext>
+            </a:extLst>
+          </p:cNvPr>
+          <p:cNvSpPr>
+            <a:spLocks noGrp="1"/>
+          </p:cNvSpPr>
+          <p:nvPr>
+            <p:ph idx="1"/>
+          </p:nvPr>
+        </p:nvSpPr>
+        <p:spPr/>
+        <p:txBody>
+          <a:bodyPr/>
+          <a:lstStyle/>
+          <a:p>
+            <a:r>
+              <a:rPr lang="en-AT" dirty="0"/>
+              <a:t>Feature Selection aroma per beer type</a:t>
+            </a:r>
+          </a:p>
+          <a:p>
+            <a:r>
+              <a:rPr lang="en-AT" dirty="0"/>
+              <a:t>Which aroma has the most impact regarding the beer type classification?</a:t>
+            </a:r>
+            <a:endParaRPr lang="de-AT" dirty="0"/>
+          </a:p>
+        </p:txBody>
+      </p:sp>
+    </p:spTree>
+    <p:extLst>
+      <p:ext uri="{BB962C8B-B14F-4D97-AF65-F5344CB8AC3E}">
+        <p14:creationId xmlns:p14="http://schemas.microsoft.com/office/powerpoint/2010/main" val="2470799124"/>
+      </p:ext>
+    </p:extLst>
+  </p:cSld>
+  <p:clrMapOvr>
+    <a:masterClrMapping/>
+  </p:clrMapOvr>
+</p:sld>
+</file>
+
+<file path=ppt/slides/slide14.xml><?xml version="1.0" encoding="utf-8"?>
+<p:sld xmlns:a="http://schemas.openxmlformats.org/drawingml/2006/main" xmlns:r="http://schemas.openxmlformats.org/officeDocument/2006/relationships" xmlns:p="http://schemas.openxmlformats.org/presentationml/2006/main">
+  <p:cSld>
+    <p:spTree>
+      <p:nvGrpSpPr>
+        <p:cNvPr id="1" name=""/>
+        <p:cNvGrpSpPr/>
+        <p:nvPr/>
+      </p:nvGrpSpPr>
+      <p:grpSpPr>
+        <a:xfrm>
+          <a:off x="0" y="0"/>
+          <a:ext cx="0" cy="0"/>
+          <a:chOff x="0" y="0"/>
+          <a:chExt cx="0" cy="0"/>
+        </a:xfrm>
+      </p:grpSpPr>
+      <p:sp>
+        <p:nvSpPr>
+          <p:cNvPr id="2" name="Titel 1">
+            <a:extLst>
+              <a:ext uri="{FF2B5EF4-FFF2-40B4-BE49-F238E27FC236}">
+                <a16:creationId xmlns:a16="http://schemas.microsoft.com/office/drawing/2014/main" id="{1ED49EFD-1D01-0873-978E-2689F46DADA3}"/>
+              </a:ext>
+            </a:extLst>
+          </p:cNvPr>
+          <p:cNvSpPr>
+            <a:spLocks noGrp="1"/>
+          </p:cNvSpPr>
+          <p:nvPr>
+            <p:ph type="title"/>
+          </p:nvPr>
+        </p:nvSpPr>
+        <p:spPr/>
+        <p:txBody>
+          <a:bodyPr/>
+          <a:lstStyle/>
+          <a:p>
+            <a:r>
+              <a:rPr lang="en-AT" dirty="0"/>
+              <a:t>Learnings</a:t>
+            </a:r>
+            <a:endParaRPr lang="de-AT" dirty="0"/>
+          </a:p>
+        </p:txBody>
+      </p:sp>
+      <p:sp>
+        <p:nvSpPr>
+          <p:cNvPr id="3" name="Inhaltsplatzhalter 2">
+            <a:extLst>
+              <a:ext uri="{FF2B5EF4-FFF2-40B4-BE49-F238E27FC236}">
+                <a16:creationId xmlns:a16="http://schemas.microsoft.com/office/drawing/2014/main" id="{626D9013-392C-7061-45C3-B0E0FB516ABF}"/>
+              </a:ext>
+            </a:extLst>
+          </p:cNvPr>
+          <p:cNvSpPr>
+            <a:spLocks noGrp="1"/>
+          </p:cNvSpPr>
+          <p:nvPr>
+            <p:ph idx="1"/>
+          </p:nvPr>
+        </p:nvSpPr>
+        <p:spPr/>
+        <p:txBody>
+          <a:bodyPr/>
+          <a:lstStyle/>
+          <a:p>
+            <a:endParaRPr lang="de-AT"/>
+          </a:p>
+        </p:txBody>
+      </p:sp>
+    </p:spTree>
+    <p:extLst>
+      <p:ext uri="{BB962C8B-B14F-4D97-AF65-F5344CB8AC3E}">
+        <p14:creationId xmlns:p14="http://schemas.microsoft.com/office/powerpoint/2010/main" val="2698488688"/>
+      </p:ext>
+    </p:extLst>
+  </p:cSld>
+  <p:clrMapOvr>
+    <a:masterClrMapping/>
+  </p:clrMapOvr>
+</p:sld>
+</file>
+
+<file path=ppt/slides/slide15.xml><?xml version="1.0" encoding="utf-8"?>
+<p:sld xmlns:a="http://schemas.openxmlformats.org/drawingml/2006/main" xmlns:r="http://schemas.openxmlformats.org/officeDocument/2006/relationships" xmlns:p="http://schemas.openxmlformats.org/presentationml/2006/main">
+  <p:cSld>
+    <p:spTree>
+      <p:nvGrpSpPr>
+        <p:cNvPr id="1" name=""/>
+        <p:cNvGrpSpPr/>
+        <p:nvPr/>
+      </p:nvGrpSpPr>
+      <p:grpSpPr>
+        <a:xfrm>
+          <a:off x="0" y="0"/>
+          <a:ext cx="0" cy="0"/>
+          <a:chOff x="0" y="0"/>
+          <a:chExt cx="0" cy="0"/>
+        </a:xfrm>
+      </p:grpSpPr>
+      <p:sp>
+        <p:nvSpPr>
+          <p:cNvPr id="2" name="Titel 1">
+            <a:extLst>
+              <a:ext uri="{FF2B5EF4-FFF2-40B4-BE49-F238E27FC236}">
+                <a16:creationId xmlns:a16="http://schemas.microsoft.com/office/drawing/2014/main" id="{1ED49EFD-1D01-0873-978E-2689F46DADA3}"/>
+              </a:ext>
+            </a:extLst>
+          </p:cNvPr>
+          <p:cNvSpPr>
+            <a:spLocks noGrp="1"/>
+          </p:cNvSpPr>
+          <p:nvPr>
+            <p:ph type="title"/>
+          </p:nvPr>
+        </p:nvSpPr>
+        <p:spPr/>
+        <p:txBody>
+          <a:bodyPr/>
+          <a:lstStyle/>
+          <a:p>
+            <a:r>
+              <a:rPr lang="en-AT" dirty="0"/>
+              <a:t>Pitfalls</a:t>
+            </a:r>
+            <a:endParaRPr lang="de-AT" dirty="0"/>
+          </a:p>
+        </p:txBody>
+      </p:sp>
+      <p:sp>
+        <p:nvSpPr>
+          <p:cNvPr id="3" name="Inhaltsplatzhalter 2">
+            <a:extLst>
+              <a:ext uri="{FF2B5EF4-FFF2-40B4-BE49-F238E27FC236}">
+                <a16:creationId xmlns:a16="http://schemas.microsoft.com/office/drawing/2014/main" id="{626D9013-392C-7061-45C3-B0E0FB516ABF}"/>
+              </a:ext>
+            </a:extLst>
+          </p:cNvPr>
+          <p:cNvSpPr>
+            <a:spLocks noGrp="1"/>
+          </p:cNvSpPr>
+          <p:nvPr>
+            <p:ph idx="1"/>
+          </p:nvPr>
+        </p:nvSpPr>
+        <p:spPr/>
+        <p:txBody>
+          <a:bodyPr/>
+          <a:lstStyle/>
+          <a:p>
+            <a:endParaRPr lang="de-AT"/>
+          </a:p>
+        </p:txBody>
+      </p:sp>
+    </p:spTree>
+    <p:extLst>
+      <p:ext uri="{BB962C8B-B14F-4D97-AF65-F5344CB8AC3E}">
+        <p14:creationId xmlns:p14="http://schemas.microsoft.com/office/powerpoint/2010/main" val="992688182"/>
+      </p:ext>
+    </p:extLst>
+  </p:cSld>
+  <p:clrMapOvr>
+    <a:masterClrMapping/>
+  </p:clrMapOvr>
+</p:sld>
+</file>
+
+<file path=ppt/slides/slide16.xml><?xml version="1.0" encoding="utf-8"?>
+<p:sld xmlns:a="http://schemas.openxmlformats.org/drawingml/2006/main" xmlns:r="http://schemas.openxmlformats.org/officeDocument/2006/relationships" xmlns:p="http://schemas.openxmlformats.org/presentationml/2006/main">
+  <p:cSld>
+    <p:spTree>
+      <p:nvGrpSpPr>
+        <p:cNvPr id="1" name=""/>
+        <p:cNvGrpSpPr/>
+        <p:nvPr/>
+      </p:nvGrpSpPr>
+      <p:grpSpPr>
+        <a:xfrm>
+          <a:off x="0" y="0"/>
+          <a:ext cx="0" cy="0"/>
+          <a:chOff x="0" y="0"/>
+          <a:chExt cx="0" cy="0"/>
+        </a:xfrm>
+      </p:grpSpPr>
+      <p:sp>
+        <p:nvSpPr>
+          <p:cNvPr id="2" name="Titel 1">
+            <a:extLst>
+              <a:ext uri="{FF2B5EF4-FFF2-40B4-BE49-F238E27FC236}">
+                <a16:creationId xmlns:a16="http://schemas.microsoft.com/office/drawing/2014/main" id="{1ED49EFD-1D01-0873-978E-2689F46DADA3}"/>
+              </a:ext>
+            </a:extLst>
+          </p:cNvPr>
+          <p:cNvSpPr>
+            <a:spLocks noGrp="1"/>
+          </p:cNvSpPr>
+          <p:nvPr>
+            <p:ph type="title"/>
+          </p:nvPr>
+        </p:nvSpPr>
+        <p:spPr/>
+        <p:txBody>
+          <a:bodyPr/>
+          <a:lstStyle/>
+          <a:p>
+            <a:r>
+              <a:rPr lang="en-AT" dirty="0" err="1"/>
+              <a:t>Conclusio</a:t>
+            </a:r>
+            <a:endParaRPr lang="de-AT" dirty="0"/>
+          </a:p>
+        </p:txBody>
+      </p:sp>
+      <p:sp>
+        <p:nvSpPr>
+          <p:cNvPr id="3" name="Inhaltsplatzhalter 2">
+            <a:extLst>
+              <a:ext uri="{FF2B5EF4-FFF2-40B4-BE49-F238E27FC236}">
+                <a16:creationId xmlns:a16="http://schemas.microsoft.com/office/drawing/2014/main" id="{626D9013-392C-7061-45C3-B0E0FB516ABF}"/>
+              </a:ext>
+            </a:extLst>
+          </p:cNvPr>
+          <p:cNvSpPr>
+            <a:spLocks noGrp="1"/>
+          </p:cNvSpPr>
+          <p:nvPr>
+            <p:ph idx="1"/>
+          </p:nvPr>
+        </p:nvSpPr>
+        <p:spPr/>
+        <p:txBody>
+          <a:bodyPr/>
+          <a:lstStyle/>
+          <a:p>
+            <a:endParaRPr lang="de-AT"/>
+          </a:p>
+        </p:txBody>
+      </p:sp>
+    </p:spTree>
+    <p:extLst>
+      <p:ext uri="{BB962C8B-B14F-4D97-AF65-F5344CB8AC3E}">
+        <p14:creationId xmlns:p14="http://schemas.microsoft.com/office/powerpoint/2010/main" val="1426337527"/>
       </p:ext>
     </p:extLst>
   </p:cSld>
@@ -5730,7 +6204,7 @@
                     <a:lstStyle/>
                     <a:p>
                       <a:r>
-                        <a:rPr lang="de-AT" sz="1200"/>
+                        <a:rPr lang="de-AT" sz="1200" dirty="0"/>
                         <a:t>Blond (21%)</a:t>
                       </a:r>
                     </a:p>

--- a/presentation/Beer.pptx
+++ b/presentation/Beer.pptx
@@ -4,6 +4,9 @@
   <p:sldMasterIdLst>
     <p:sldMasterId id="2147483648" r:id="rId1"/>
   </p:sldMasterIdLst>
+  <p:notesMasterIdLst>
+    <p:notesMasterId r:id="rId18"/>
+  </p:notesMasterIdLst>
   <p:sldIdLst>
     <p:sldId id="256" r:id="rId2"/>
     <p:sldId id="259" r:id="rId3"/>
@@ -15,8 +18,8 @@
     <p:sldId id="268" r:id="rId9"/>
     <p:sldId id="263" r:id="rId10"/>
     <p:sldId id="264" r:id="rId11"/>
-    <p:sldId id="266" r:id="rId12"/>
-    <p:sldId id="265" r:id="rId13"/>
+    <p:sldId id="265" r:id="rId12"/>
+    <p:sldId id="266" r:id="rId13"/>
     <p:sldId id="269" r:id="rId14"/>
     <p:sldId id="270" r:id="rId15"/>
     <p:sldId id="271" r:id="rId16"/>
@@ -134,8 +137,8 @@
             <p14:sldId id="268"/>
             <p14:sldId id="263"/>
             <p14:sldId id="264"/>
+            <p14:sldId id="265"/>
             <p14:sldId id="266"/>
-            <p14:sldId id="265"/>
             <p14:sldId id="269"/>
             <p14:sldId id="270"/>
             <p14:sldId id="271"/>
@@ -716,6 +719,976 @@
 </pc:chgInfo>
 </file>
 
+<file path=ppt/notesMasters/notesMaster1.xml><?xml version="1.0" encoding="utf-8"?>
+<p:notesMaster xmlns:a="http://schemas.openxmlformats.org/drawingml/2006/main" xmlns:r="http://schemas.openxmlformats.org/officeDocument/2006/relationships" xmlns:p="http://schemas.openxmlformats.org/presentationml/2006/main">
+  <p:cSld>
+    <p:bg>
+      <p:bgRef idx="1001">
+        <a:schemeClr val="bg1"/>
+      </p:bgRef>
+    </p:bg>
+    <p:spTree>
+      <p:nvGrpSpPr>
+        <p:cNvPr id="1" name=""/>
+        <p:cNvGrpSpPr/>
+        <p:nvPr/>
+      </p:nvGrpSpPr>
+      <p:grpSpPr>
+        <a:xfrm>
+          <a:off x="0" y="0"/>
+          <a:ext cx="0" cy="0"/>
+          <a:chOff x="0" y="0"/>
+          <a:chExt cx="0" cy="0"/>
+        </a:xfrm>
+      </p:grpSpPr>
+      <p:sp>
+        <p:nvSpPr>
+          <p:cNvPr id="2" name="Kopfzeilenplatzhalter 1"/>
+          <p:cNvSpPr>
+            <a:spLocks noGrp="1"/>
+          </p:cNvSpPr>
+          <p:nvPr>
+            <p:ph type="hdr" sz="quarter"/>
+          </p:nvPr>
+        </p:nvSpPr>
+        <p:spPr>
+          <a:xfrm>
+            <a:off x="0" y="0"/>
+            <a:ext cx="2971800" cy="458788"/>
+          </a:xfrm>
+          <a:prstGeom prst="rect">
+            <a:avLst/>
+          </a:prstGeom>
+        </p:spPr>
+        <p:txBody>
+          <a:bodyPr vert="horz" lIns="91440" tIns="45720" rIns="91440" bIns="45720" rtlCol="0"/>
+          <a:lstStyle>
+            <a:lvl1pPr algn="l">
+              <a:defRPr sz="1200"/>
+            </a:lvl1pPr>
+          </a:lstStyle>
+          <a:p>
+            <a:endParaRPr lang="de-AT"/>
+          </a:p>
+        </p:txBody>
+      </p:sp>
+      <p:sp>
+        <p:nvSpPr>
+          <p:cNvPr id="3" name="Datumsplatzhalter 2"/>
+          <p:cNvSpPr>
+            <a:spLocks noGrp="1"/>
+          </p:cNvSpPr>
+          <p:nvPr>
+            <p:ph type="dt" idx="1"/>
+          </p:nvPr>
+        </p:nvSpPr>
+        <p:spPr>
+          <a:xfrm>
+            <a:off x="3884613" y="0"/>
+            <a:ext cx="2971800" cy="458788"/>
+          </a:xfrm>
+          <a:prstGeom prst="rect">
+            <a:avLst/>
+          </a:prstGeom>
+        </p:spPr>
+        <p:txBody>
+          <a:bodyPr vert="horz" lIns="91440" tIns="45720" rIns="91440" bIns="45720" rtlCol="0"/>
+          <a:lstStyle>
+            <a:lvl1pPr algn="r">
+              <a:defRPr sz="1200"/>
+            </a:lvl1pPr>
+          </a:lstStyle>
+          <a:p>
+            <a:fld id="{2D2BA7EC-E463-4BF1-A61B-91F5D6867254}" type="datetimeFigureOut">
+              <a:rPr lang="de-AT" smtClean="0"/>
+              <a:t>20.06.2024</a:t>
+            </a:fld>
+            <a:endParaRPr lang="de-AT"/>
+          </a:p>
+        </p:txBody>
+      </p:sp>
+      <p:sp>
+        <p:nvSpPr>
+          <p:cNvPr id="4" name="Folienbildplatzhalter 3"/>
+          <p:cNvSpPr>
+            <a:spLocks noGrp="1" noRot="1" noChangeAspect="1"/>
+          </p:cNvSpPr>
+          <p:nvPr>
+            <p:ph type="sldImg" idx="2"/>
+          </p:nvPr>
+        </p:nvSpPr>
+        <p:spPr>
+          <a:xfrm>
+            <a:off x="685800" y="1143000"/>
+            <a:ext cx="5486400" cy="3086100"/>
+          </a:xfrm>
+          <a:prstGeom prst="rect">
+            <a:avLst/>
+          </a:prstGeom>
+          <a:noFill/>
+          <a:ln w="12700">
+            <a:solidFill>
+              <a:prstClr val="black"/>
+            </a:solidFill>
+          </a:ln>
+        </p:spPr>
+        <p:txBody>
+          <a:bodyPr vert="horz" lIns="91440" tIns="45720" rIns="91440" bIns="45720" rtlCol="0" anchor="ctr"/>
+          <a:lstStyle/>
+          <a:p>
+            <a:endParaRPr lang="de-AT"/>
+          </a:p>
+        </p:txBody>
+      </p:sp>
+      <p:sp>
+        <p:nvSpPr>
+          <p:cNvPr id="5" name="Notizenplatzhalter 4"/>
+          <p:cNvSpPr>
+            <a:spLocks noGrp="1"/>
+          </p:cNvSpPr>
+          <p:nvPr>
+            <p:ph type="body" sz="quarter" idx="3"/>
+          </p:nvPr>
+        </p:nvSpPr>
+        <p:spPr>
+          <a:xfrm>
+            <a:off x="685800" y="4400550"/>
+            <a:ext cx="5486400" cy="3600450"/>
+          </a:xfrm>
+          <a:prstGeom prst="rect">
+            <a:avLst/>
+          </a:prstGeom>
+        </p:spPr>
+        <p:txBody>
+          <a:bodyPr vert="horz" lIns="91440" tIns="45720" rIns="91440" bIns="45720" rtlCol="0"/>
+          <a:lstStyle/>
+          <a:p>
+            <a:pPr lvl="0"/>
+            <a:r>
+              <a:rPr lang="de-DE"/>
+              <a:t>Mastertextformat bearbeiten</a:t>
+            </a:r>
+          </a:p>
+          <a:p>
+            <a:pPr lvl="1"/>
+            <a:r>
+              <a:rPr lang="de-DE"/>
+              <a:t>Zweite Ebene</a:t>
+            </a:r>
+          </a:p>
+          <a:p>
+            <a:pPr lvl="2"/>
+            <a:r>
+              <a:rPr lang="de-DE"/>
+              <a:t>Dritte Ebene</a:t>
+            </a:r>
+          </a:p>
+          <a:p>
+            <a:pPr lvl="3"/>
+            <a:r>
+              <a:rPr lang="de-DE"/>
+              <a:t>Vierte Ebene</a:t>
+            </a:r>
+          </a:p>
+          <a:p>
+            <a:pPr lvl="4"/>
+            <a:r>
+              <a:rPr lang="de-DE"/>
+              <a:t>Fünfte Ebene</a:t>
+            </a:r>
+            <a:endParaRPr lang="de-AT"/>
+          </a:p>
+        </p:txBody>
+      </p:sp>
+      <p:sp>
+        <p:nvSpPr>
+          <p:cNvPr id="6" name="Fußzeilenplatzhalter 5"/>
+          <p:cNvSpPr>
+            <a:spLocks noGrp="1"/>
+          </p:cNvSpPr>
+          <p:nvPr>
+            <p:ph type="ftr" sz="quarter" idx="4"/>
+          </p:nvPr>
+        </p:nvSpPr>
+        <p:spPr>
+          <a:xfrm>
+            <a:off x="0" y="8685213"/>
+            <a:ext cx="2971800" cy="458787"/>
+          </a:xfrm>
+          <a:prstGeom prst="rect">
+            <a:avLst/>
+          </a:prstGeom>
+        </p:spPr>
+        <p:txBody>
+          <a:bodyPr vert="horz" lIns="91440" tIns="45720" rIns="91440" bIns="45720" rtlCol="0" anchor="b"/>
+          <a:lstStyle>
+            <a:lvl1pPr algn="l">
+              <a:defRPr sz="1200"/>
+            </a:lvl1pPr>
+          </a:lstStyle>
+          <a:p>
+            <a:endParaRPr lang="de-AT"/>
+          </a:p>
+        </p:txBody>
+      </p:sp>
+      <p:sp>
+        <p:nvSpPr>
+          <p:cNvPr id="7" name="Foliennummernplatzhalter 6"/>
+          <p:cNvSpPr>
+            <a:spLocks noGrp="1"/>
+          </p:cNvSpPr>
+          <p:nvPr>
+            <p:ph type="sldNum" sz="quarter" idx="5"/>
+          </p:nvPr>
+        </p:nvSpPr>
+        <p:spPr>
+          <a:xfrm>
+            <a:off x="3884613" y="8685213"/>
+            <a:ext cx="2971800" cy="458787"/>
+          </a:xfrm>
+          <a:prstGeom prst="rect">
+            <a:avLst/>
+          </a:prstGeom>
+        </p:spPr>
+        <p:txBody>
+          <a:bodyPr vert="horz" lIns="91440" tIns="45720" rIns="91440" bIns="45720" rtlCol="0" anchor="b"/>
+          <a:lstStyle>
+            <a:lvl1pPr algn="r">
+              <a:defRPr sz="1200"/>
+            </a:lvl1pPr>
+          </a:lstStyle>
+          <a:p>
+            <a:fld id="{E21BFD0A-64EA-4FED-8508-E18485F70324}" type="slidenum">
+              <a:rPr lang="de-AT" smtClean="0"/>
+              <a:t>‹Nr.›</a:t>
+            </a:fld>
+            <a:endParaRPr lang="de-AT"/>
+          </a:p>
+        </p:txBody>
+      </p:sp>
+    </p:spTree>
+    <p:extLst>
+      <p:ext uri="{BB962C8B-B14F-4D97-AF65-F5344CB8AC3E}">
+        <p14:creationId xmlns:p14="http://schemas.microsoft.com/office/powerpoint/2010/main" val="3139612038"/>
+      </p:ext>
+    </p:extLst>
+  </p:cSld>
+  <p:clrMap bg1="lt1" tx1="dk1" bg2="lt2" tx2="dk2" accent1="accent1" accent2="accent2" accent3="accent3" accent4="accent4" accent5="accent5" accent6="accent6" hlink="hlink" folHlink="folHlink"/>
+  <p:notesStyle>
+    <a:lvl1pPr marL="0" algn="l" defTabSz="914400" rtl="0" eaLnBrk="1" latinLnBrk="0" hangingPunct="1">
+      <a:defRPr sz="1200" kern="1200">
+        <a:solidFill>
+          <a:schemeClr val="tx1"/>
+        </a:solidFill>
+        <a:latin typeface="+mn-lt"/>
+        <a:ea typeface="+mn-ea"/>
+        <a:cs typeface="+mn-cs"/>
+      </a:defRPr>
+    </a:lvl1pPr>
+    <a:lvl2pPr marL="457200" algn="l" defTabSz="914400" rtl="0" eaLnBrk="1" latinLnBrk="0" hangingPunct="1">
+      <a:defRPr sz="1200" kern="1200">
+        <a:solidFill>
+          <a:schemeClr val="tx1"/>
+        </a:solidFill>
+        <a:latin typeface="+mn-lt"/>
+        <a:ea typeface="+mn-ea"/>
+        <a:cs typeface="+mn-cs"/>
+      </a:defRPr>
+    </a:lvl2pPr>
+    <a:lvl3pPr marL="914400" algn="l" defTabSz="914400" rtl="0" eaLnBrk="1" latinLnBrk="0" hangingPunct="1">
+      <a:defRPr sz="1200" kern="1200">
+        <a:solidFill>
+          <a:schemeClr val="tx1"/>
+        </a:solidFill>
+        <a:latin typeface="+mn-lt"/>
+        <a:ea typeface="+mn-ea"/>
+        <a:cs typeface="+mn-cs"/>
+      </a:defRPr>
+    </a:lvl3pPr>
+    <a:lvl4pPr marL="1371600" algn="l" defTabSz="914400" rtl="0" eaLnBrk="1" latinLnBrk="0" hangingPunct="1">
+      <a:defRPr sz="1200" kern="1200">
+        <a:solidFill>
+          <a:schemeClr val="tx1"/>
+        </a:solidFill>
+        <a:latin typeface="+mn-lt"/>
+        <a:ea typeface="+mn-ea"/>
+        <a:cs typeface="+mn-cs"/>
+      </a:defRPr>
+    </a:lvl4pPr>
+    <a:lvl5pPr marL="1828800" algn="l" defTabSz="914400" rtl="0" eaLnBrk="1" latinLnBrk="0" hangingPunct="1">
+      <a:defRPr sz="1200" kern="1200">
+        <a:solidFill>
+          <a:schemeClr val="tx1"/>
+        </a:solidFill>
+        <a:latin typeface="+mn-lt"/>
+        <a:ea typeface="+mn-ea"/>
+        <a:cs typeface="+mn-cs"/>
+      </a:defRPr>
+    </a:lvl5pPr>
+    <a:lvl6pPr marL="2286000" algn="l" defTabSz="914400" rtl="0" eaLnBrk="1" latinLnBrk="0" hangingPunct="1">
+      <a:defRPr sz="1200" kern="1200">
+        <a:solidFill>
+          <a:schemeClr val="tx1"/>
+        </a:solidFill>
+        <a:latin typeface="+mn-lt"/>
+        <a:ea typeface="+mn-ea"/>
+        <a:cs typeface="+mn-cs"/>
+      </a:defRPr>
+    </a:lvl6pPr>
+    <a:lvl7pPr marL="2743200" algn="l" defTabSz="914400" rtl="0" eaLnBrk="1" latinLnBrk="0" hangingPunct="1">
+      <a:defRPr sz="1200" kern="1200">
+        <a:solidFill>
+          <a:schemeClr val="tx1"/>
+        </a:solidFill>
+        <a:latin typeface="+mn-lt"/>
+        <a:ea typeface="+mn-ea"/>
+        <a:cs typeface="+mn-cs"/>
+      </a:defRPr>
+    </a:lvl7pPr>
+    <a:lvl8pPr marL="3200400" algn="l" defTabSz="914400" rtl="0" eaLnBrk="1" latinLnBrk="0" hangingPunct="1">
+      <a:defRPr sz="1200" kern="1200">
+        <a:solidFill>
+          <a:schemeClr val="tx1"/>
+        </a:solidFill>
+        <a:latin typeface="+mn-lt"/>
+        <a:ea typeface="+mn-ea"/>
+        <a:cs typeface="+mn-cs"/>
+      </a:defRPr>
+    </a:lvl8pPr>
+    <a:lvl9pPr marL="3657600" algn="l" defTabSz="914400" rtl="0" eaLnBrk="1" latinLnBrk="0" hangingPunct="1">
+      <a:defRPr sz="1200" kern="1200">
+        <a:solidFill>
+          <a:schemeClr val="tx1"/>
+        </a:solidFill>
+        <a:latin typeface="+mn-lt"/>
+        <a:ea typeface="+mn-ea"/>
+        <a:cs typeface="+mn-cs"/>
+      </a:defRPr>
+    </a:lvl9pPr>
+  </p:notesStyle>
+</p:notesMaster>
+</file>
+
+<file path=ppt/notesSlides/notesSlide1.xml><?xml version="1.0" encoding="utf-8"?>
+<p:notes xmlns:a="http://schemas.openxmlformats.org/drawingml/2006/main" xmlns:r="http://schemas.openxmlformats.org/officeDocument/2006/relationships" xmlns:p="http://schemas.openxmlformats.org/presentationml/2006/main">
+  <p:cSld>
+    <p:spTree>
+      <p:nvGrpSpPr>
+        <p:cNvPr id="1" name=""/>
+        <p:cNvGrpSpPr/>
+        <p:nvPr/>
+      </p:nvGrpSpPr>
+      <p:grpSpPr>
+        <a:xfrm>
+          <a:off x="0" y="0"/>
+          <a:ext cx="0" cy="0"/>
+          <a:chOff x="0" y="0"/>
+          <a:chExt cx="0" cy="0"/>
+        </a:xfrm>
+      </p:grpSpPr>
+      <p:sp>
+        <p:nvSpPr>
+          <p:cNvPr id="2" name="Folienbildplatzhalter 1"/>
+          <p:cNvSpPr>
+            <a:spLocks noGrp="1" noRot="1" noChangeAspect="1"/>
+          </p:cNvSpPr>
+          <p:nvPr>
+            <p:ph type="sldImg"/>
+          </p:nvPr>
+        </p:nvSpPr>
+        <p:spPr/>
+      </p:sp>
+      <p:sp>
+        <p:nvSpPr>
+          <p:cNvPr id="3" name="Notizenplatzhalter 2"/>
+          <p:cNvSpPr>
+            <a:spLocks noGrp="1"/>
+          </p:cNvSpPr>
+          <p:nvPr>
+            <p:ph type="body" idx="1"/>
+          </p:nvPr>
+        </p:nvSpPr>
+        <p:spPr/>
+        <p:txBody>
+          <a:bodyPr/>
+          <a:lstStyle/>
+          <a:p>
+            <a:r>
+              <a:rPr lang="en-AT" dirty="0"/>
+              <a:t>Mustermann likes beer X</a:t>
+            </a:r>
+          </a:p>
+          <a:p>
+            <a:r>
+              <a:rPr lang="de-AT" dirty="0"/>
+              <a:t>B</a:t>
+            </a:r>
+            <a:r>
+              <a:rPr lang="en-AT" dirty="0"/>
+              <a:t>eer X is in cluster C</a:t>
+            </a:r>
+          </a:p>
+          <a:p>
+            <a:r>
+              <a:rPr lang="en-AT" dirty="0"/>
+              <a:t>Find best rated beer in cluster C</a:t>
+            </a:r>
+            <a:endParaRPr lang="de-AT" dirty="0"/>
+          </a:p>
+          <a:p>
+            <a:endParaRPr lang="de-AT" dirty="0"/>
+          </a:p>
+        </p:txBody>
+      </p:sp>
+      <p:sp>
+        <p:nvSpPr>
+          <p:cNvPr id="4" name="Foliennummernplatzhalter 3"/>
+          <p:cNvSpPr>
+            <a:spLocks noGrp="1"/>
+          </p:cNvSpPr>
+          <p:nvPr>
+            <p:ph type="sldNum" sz="quarter" idx="5"/>
+          </p:nvPr>
+        </p:nvSpPr>
+        <p:spPr/>
+        <p:txBody>
+          <a:bodyPr/>
+          <a:lstStyle/>
+          <a:p>
+            <a:fld id="{E21BFD0A-64EA-4FED-8508-E18485F70324}" type="slidenum">
+              <a:rPr lang="de-AT" smtClean="0"/>
+              <a:t>2</a:t>
+            </a:fld>
+            <a:endParaRPr lang="de-AT"/>
+          </a:p>
+        </p:txBody>
+      </p:sp>
+    </p:spTree>
+    <p:extLst>
+      <p:ext uri="{BB962C8B-B14F-4D97-AF65-F5344CB8AC3E}">
+        <p14:creationId xmlns:p14="http://schemas.microsoft.com/office/powerpoint/2010/main" val="3155000679"/>
+      </p:ext>
+    </p:extLst>
+  </p:cSld>
+  <p:clrMapOvr>
+    <a:masterClrMapping/>
+  </p:clrMapOvr>
+</p:notes>
+</file>
+
+<file path=ppt/notesSlides/notesSlide2.xml><?xml version="1.0" encoding="utf-8"?>
+<p:notes xmlns:a="http://schemas.openxmlformats.org/drawingml/2006/main" xmlns:r="http://schemas.openxmlformats.org/officeDocument/2006/relationships" xmlns:p="http://schemas.openxmlformats.org/presentationml/2006/main">
+  <p:cSld>
+    <p:spTree>
+      <p:nvGrpSpPr>
+        <p:cNvPr id="1" name=""/>
+        <p:cNvGrpSpPr/>
+        <p:nvPr/>
+      </p:nvGrpSpPr>
+      <p:grpSpPr>
+        <a:xfrm>
+          <a:off x="0" y="0"/>
+          <a:ext cx="0" cy="0"/>
+          <a:chOff x="0" y="0"/>
+          <a:chExt cx="0" cy="0"/>
+        </a:xfrm>
+      </p:grpSpPr>
+      <p:sp>
+        <p:nvSpPr>
+          <p:cNvPr id="2" name="Folienbildplatzhalter 1"/>
+          <p:cNvSpPr>
+            <a:spLocks noGrp="1" noRot="1" noChangeAspect="1"/>
+          </p:cNvSpPr>
+          <p:nvPr>
+            <p:ph type="sldImg"/>
+          </p:nvPr>
+        </p:nvSpPr>
+        <p:spPr/>
+      </p:sp>
+      <p:sp>
+        <p:nvSpPr>
+          <p:cNvPr id="3" name="Notizenplatzhalter 2"/>
+          <p:cNvSpPr>
+            <a:spLocks noGrp="1"/>
+          </p:cNvSpPr>
+          <p:nvPr>
+            <p:ph type="body" idx="1"/>
+          </p:nvPr>
+        </p:nvSpPr>
+        <p:spPr/>
+        <p:txBody>
+          <a:bodyPr/>
+          <a:lstStyle/>
+          <a:p>
+            <a:pPr marL="0" marR="0" lvl="0" indent="0" algn="l" defTabSz="914400" rtl="0" eaLnBrk="1" fontAlgn="auto" latinLnBrk="0" hangingPunct="1">
+              <a:lnSpc>
+                <a:spcPct val="100000"/>
+              </a:lnSpc>
+              <a:spcBef>
+                <a:spcPts val="0"/>
+              </a:spcBef>
+              <a:spcAft>
+                <a:spcPts val="0"/>
+              </a:spcAft>
+              <a:buClrTx/>
+              <a:buSzTx/>
+              <a:buFontTx/>
+              <a:buNone/>
+              <a:tabLst/>
+              <a:defRPr/>
+            </a:pPr>
+            <a:r>
+              <a:rPr lang="de-AT" dirty="0" err="1"/>
+              <a:t>A_malt_grain</a:t>
+            </a:r>
+            <a:r>
+              <a:rPr lang="de-AT" dirty="0"/>
+              <a:t> ,</a:t>
+            </a:r>
+            <a:r>
+              <a:rPr lang="de-AT" dirty="0" err="1"/>
+              <a:t>A_malt_bread</a:t>
+            </a:r>
+            <a:r>
+              <a:rPr lang="de-AT" dirty="0"/>
+              <a:t> ,</a:t>
+            </a:r>
+            <a:r>
+              <a:rPr lang="de-AT" dirty="0" err="1"/>
+              <a:t>A_malt_cara</a:t>
+            </a:r>
+            <a:r>
+              <a:rPr lang="de-AT" dirty="0"/>
+              <a:t> ,</a:t>
+            </a:r>
+            <a:r>
+              <a:rPr lang="de-AT" dirty="0" err="1"/>
+              <a:t>A_malt_burn</a:t>
+            </a:r>
+            <a:r>
+              <a:rPr lang="de-AT" dirty="0"/>
+              <a:t> ,</a:t>
+            </a:r>
+            <a:r>
+              <a:rPr lang="de-AT" dirty="0" err="1"/>
+              <a:t>A_hops_citrus</a:t>
+            </a:r>
+            <a:r>
+              <a:rPr lang="de-AT" dirty="0"/>
+              <a:t> ,</a:t>
+            </a:r>
+            <a:r>
+              <a:rPr lang="de-AT" dirty="0" err="1"/>
+              <a:t>A_hops_tropical</a:t>
+            </a:r>
+            <a:r>
+              <a:rPr lang="de-AT" dirty="0"/>
+              <a:t> ,</a:t>
+            </a:r>
+            <a:r>
+              <a:rPr lang="de-AT" dirty="0" err="1"/>
+              <a:t>A_hops_noble</a:t>
+            </a:r>
+            <a:r>
+              <a:rPr lang="de-AT" dirty="0"/>
+              <a:t> ,</a:t>
+            </a:r>
+            <a:r>
+              <a:rPr lang="de-AT" dirty="0" err="1"/>
+              <a:t>A_hops_woody</a:t>
+            </a:r>
+            <a:r>
+              <a:rPr lang="de-AT" dirty="0"/>
+              <a:t> ,</a:t>
+            </a:r>
+            <a:r>
+              <a:rPr lang="de-AT" dirty="0" err="1"/>
+              <a:t>A_esters_ethac</a:t>
+            </a:r>
+            <a:r>
+              <a:rPr lang="de-AT" dirty="0"/>
+              <a:t> ,</a:t>
+            </a:r>
+            <a:r>
+              <a:rPr lang="de-AT" dirty="0" err="1"/>
+              <a:t>A_esters_isoaa</a:t>
+            </a:r>
+            <a:r>
+              <a:rPr lang="de-AT" dirty="0"/>
+              <a:t> ,</a:t>
+            </a:r>
+            <a:r>
+              <a:rPr lang="de-AT" dirty="0" err="1"/>
+              <a:t>A_esters_flower</a:t>
+            </a:r>
+            <a:r>
+              <a:rPr lang="de-AT" dirty="0"/>
+              <a:t> ,</a:t>
+            </a:r>
+            <a:r>
+              <a:rPr lang="de-AT" dirty="0" err="1"/>
+              <a:t>A_esters_fruity</a:t>
+            </a:r>
+            <a:r>
+              <a:rPr lang="de-AT" dirty="0"/>
+              <a:t> ,</a:t>
+            </a:r>
+            <a:r>
+              <a:rPr lang="de-AT" dirty="0" err="1"/>
+              <a:t>F_malt_grain</a:t>
+            </a:r>
+            <a:r>
+              <a:rPr lang="de-AT" dirty="0"/>
+              <a:t> ,</a:t>
+            </a:r>
+            <a:r>
+              <a:rPr lang="de-AT" dirty="0" err="1"/>
+              <a:t>F_malt_bread</a:t>
+            </a:r>
+            <a:r>
+              <a:rPr lang="de-AT" dirty="0"/>
+              <a:t> ,</a:t>
+            </a:r>
+            <a:r>
+              <a:rPr lang="de-AT" dirty="0" err="1"/>
+              <a:t>F_malt_cara</a:t>
+            </a:r>
+            <a:r>
+              <a:rPr lang="de-AT" dirty="0"/>
+              <a:t> ,</a:t>
+            </a:r>
+            <a:r>
+              <a:rPr lang="de-AT" dirty="0" err="1"/>
+              <a:t>F_malt_burn</a:t>
+            </a:r>
+            <a:r>
+              <a:rPr lang="de-AT" dirty="0"/>
+              <a:t> ,</a:t>
+            </a:r>
+            <a:r>
+              <a:rPr lang="de-AT" dirty="0" err="1"/>
+              <a:t>F_hops_citrus</a:t>
+            </a:r>
+            <a:r>
+              <a:rPr lang="de-AT" dirty="0"/>
+              <a:t> ,</a:t>
+            </a:r>
+            <a:r>
+              <a:rPr lang="de-AT" dirty="0" err="1"/>
+              <a:t>F_hops_tropical</a:t>
+            </a:r>
+            <a:r>
+              <a:rPr lang="de-AT" dirty="0"/>
+              <a:t> ,</a:t>
+            </a:r>
+            <a:r>
+              <a:rPr lang="de-AT" dirty="0" err="1"/>
+              <a:t>F_hops_noble</a:t>
+            </a:r>
+            <a:r>
+              <a:rPr lang="de-AT" dirty="0"/>
+              <a:t> ,</a:t>
+            </a:r>
+            <a:r>
+              <a:rPr lang="de-AT" dirty="0" err="1"/>
+              <a:t>F_hops_woody</a:t>
+            </a:r>
+            <a:r>
+              <a:rPr lang="de-AT" dirty="0"/>
+              <a:t> ,</a:t>
+            </a:r>
+            <a:r>
+              <a:rPr lang="de-AT" dirty="0" err="1"/>
+              <a:t>F_esters_ethac</a:t>
+            </a:r>
+            <a:r>
+              <a:rPr lang="de-AT" dirty="0"/>
+              <a:t> ,</a:t>
+            </a:r>
+            <a:r>
+              <a:rPr lang="de-AT" dirty="0" err="1"/>
+              <a:t>F_esters_isoaa</a:t>
+            </a:r>
+            <a:r>
+              <a:rPr lang="de-AT" dirty="0"/>
+              <a:t> ,</a:t>
+            </a:r>
+            <a:r>
+              <a:rPr lang="de-AT" dirty="0" err="1"/>
+              <a:t>F_esters_flower</a:t>
+            </a:r>
+            <a:r>
+              <a:rPr lang="de-AT" dirty="0"/>
+              <a:t> ,</a:t>
+            </a:r>
+            <a:r>
+              <a:rPr lang="de-AT" dirty="0" err="1"/>
+              <a:t>F_esters_fruity</a:t>
+            </a:r>
+            <a:r>
+              <a:rPr lang="de-AT" dirty="0"/>
+              <a:t> ,</a:t>
+            </a:r>
+            <a:r>
+              <a:rPr lang="de-AT" dirty="0" err="1"/>
+              <a:t>acidity</a:t>
+            </a:r>
+            <a:r>
+              <a:rPr lang="de-AT" dirty="0"/>
+              <a:t> ,</a:t>
+            </a:r>
+            <a:r>
+              <a:rPr lang="de-AT" dirty="0" err="1"/>
+              <a:t>bitternes</a:t>
+            </a:r>
+            <a:r>
+              <a:rPr lang="de-AT" dirty="0"/>
+              <a:t> ,</a:t>
+            </a:r>
+            <a:r>
+              <a:rPr lang="de-AT" dirty="0" err="1"/>
+              <a:t>sweetness</a:t>
+            </a:r>
+            <a:r>
+              <a:rPr lang="de-AT" dirty="0"/>
+              <a:t> ,X4vg ,</a:t>
+            </a:r>
+            <a:r>
+              <a:rPr lang="de-AT" dirty="0" err="1"/>
+              <a:t>diacetyl</a:t>
+            </a:r>
+            <a:r>
+              <a:rPr lang="de-AT" dirty="0"/>
+              <a:t> ,</a:t>
+            </a:r>
+            <a:r>
+              <a:rPr lang="de-AT" dirty="0" err="1"/>
+              <a:t>dms</a:t>
+            </a:r>
+            <a:r>
+              <a:rPr lang="de-AT" dirty="0"/>
+              <a:t> ,metallic ,</a:t>
+            </a:r>
+            <a:r>
+              <a:rPr lang="de-AT" dirty="0" err="1"/>
+              <a:t>stale_hops</a:t>
+            </a:r>
+            <a:r>
+              <a:rPr lang="de-AT" dirty="0"/>
+              <a:t> ,t2n ,orange ,</a:t>
+            </a:r>
+            <a:r>
+              <a:rPr lang="de-AT" dirty="0" err="1"/>
+              <a:t>coriander</a:t>
+            </a:r>
+            <a:r>
+              <a:rPr lang="de-AT" dirty="0"/>
+              <a:t> ,</a:t>
+            </a:r>
+            <a:r>
+              <a:rPr lang="de-AT" dirty="0" err="1"/>
+              <a:t>clove</a:t>
+            </a:r>
+            <a:r>
+              <a:rPr lang="de-AT" dirty="0"/>
+              <a:t> ,</a:t>
+            </a:r>
+            <a:r>
+              <a:rPr lang="de-AT" dirty="0" err="1"/>
+              <a:t>lactic</a:t>
+            </a:r>
+            <a:r>
+              <a:rPr lang="de-AT" dirty="0"/>
+              <a:t> ,</a:t>
+            </a:r>
+            <a:r>
+              <a:rPr lang="de-AT" dirty="0" err="1"/>
+              <a:t>acetic</a:t>
+            </a:r>
+            <a:r>
+              <a:rPr lang="de-AT" dirty="0"/>
+              <a:t> ,</a:t>
+            </a:r>
+            <a:r>
+              <a:rPr lang="de-AT" dirty="0" err="1"/>
+              <a:t>barnyard</a:t>
+            </a:r>
+            <a:r>
+              <a:rPr lang="de-AT" dirty="0"/>
+              <a:t> ,aftertaste ,co2</a:t>
+            </a:r>
+          </a:p>
+          <a:p>
+            <a:endParaRPr lang="de-AT" dirty="0"/>
+          </a:p>
+        </p:txBody>
+      </p:sp>
+      <p:sp>
+        <p:nvSpPr>
+          <p:cNvPr id="4" name="Foliennummernplatzhalter 3"/>
+          <p:cNvSpPr>
+            <a:spLocks noGrp="1"/>
+          </p:cNvSpPr>
+          <p:nvPr>
+            <p:ph type="sldNum" sz="quarter" idx="5"/>
+          </p:nvPr>
+        </p:nvSpPr>
+        <p:spPr/>
+        <p:txBody>
+          <a:bodyPr/>
+          <a:lstStyle/>
+          <a:p>
+            <a:fld id="{E21BFD0A-64EA-4FED-8508-E18485F70324}" type="slidenum">
+              <a:rPr lang="de-AT" smtClean="0"/>
+              <a:t>4</a:t>
+            </a:fld>
+            <a:endParaRPr lang="de-AT"/>
+          </a:p>
+        </p:txBody>
+      </p:sp>
+    </p:spTree>
+    <p:extLst>
+      <p:ext uri="{BB962C8B-B14F-4D97-AF65-F5344CB8AC3E}">
+        <p14:creationId xmlns:p14="http://schemas.microsoft.com/office/powerpoint/2010/main" val="143277218"/>
+      </p:ext>
+    </p:extLst>
+  </p:cSld>
+  <p:clrMapOvr>
+    <a:masterClrMapping/>
+  </p:clrMapOvr>
+</p:notes>
+</file>
+
+<file path=ppt/notesSlides/notesSlide3.xml><?xml version="1.0" encoding="utf-8"?>
+<p:notes xmlns:a="http://schemas.openxmlformats.org/drawingml/2006/main" xmlns:r="http://schemas.openxmlformats.org/officeDocument/2006/relationships" xmlns:p="http://schemas.openxmlformats.org/presentationml/2006/main">
+  <p:cSld>
+    <p:spTree>
+      <p:nvGrpSpPr>
+        <p:cNvPr id="1" name=""/>
+        <p:cNvGrpSpPr/>
+        <p:nvPr/>
+      </p:nvGrpSpPr>
+      <p:grpSpPr>
+        <a:xfrm>
+          <a:off x="0" y="0"/>
+          <a:ext cx="0" cy="0"/>
+          <a:chOff x="0" y="0"/>
+          <a:chExt cx="0" cy="0"/>
+        </a:xfrm>
+      </p:grpSpPr>
+      <p:sp>
+        <p:nvSpPr>
+          <p:cNvPr id="2" name="Folienbildplatzhalter 1"/>
+          <p:cNvSpPr>
+            <a:spLocks noGrp="1" noRot="1" noChangeAspect="1"/>
+          </p:cNvSpPr>
+          <p:nvPr>
+            <p:ph type="sldImg"/>
+          </p:nvPr>
+        </p:nvSpPr>
+        <p:spPr/>
+      </p:sp>
+      <p:sp>
+        <p:nvSpPr>
+          <p:cNvPr id="3" name="Notizenplatzhalter 2"/>
+          <p:cNvSpPr>
+            <a:spLocks noGrp="1"/>
+          </p:cNvSpPr>
+          <p:nvPr>
+            <p:ph type="body" idx="1"/>
+          </p:nvPr>
+        </p:nvSpPr>
+        <p:spPr/>
+        <p:txBody>
+          <a:bodyPr/>
+          <a:lstStyle/>
+          <a:p>
+            <a:r>
+              <a:rPr lang="en-US" dirty="0"/>
+              <a:t>Elbow Method:</a:t>
+            </a:r>
+            <a:endParaRPr lang="en-AT" dirty="0"/>
+          </a:p>
+          <a:p>
+            <a:pPr lvl="1"/>
+            <a:r>
+              <a:rPr lang="en-US" dirty="0"/>
+              <a:t> Run k-means clustering on the data for a range of k values (e.g., 1 to 10).</a:t>
+            </a:r>
+            <a:endParaRPr lang="en-AT" dirty="0"/>
+          </a:p>
+          <a:p>
+            <a:pPr lvl="1"/>
+            <a:r>
+              <a:rPr lang="en-US" dirty="0"/>
+              <a:t> For each k, calculate the sum of squared distances between data points and their cluster centroid (inertia or within-cluster sum of squares).</a:t>
+            </a:r>
+            <a:endParaRPr lang="en-AT" dirty="0"/>
+          </a:p>
+          <a:p>
+            <a:pPr lvl="1"/>
+            <a:r>
+              <a:rPr lang="en-US" dirty="0"/>
+              <a:t>Plot the inertia against the number of clusters k.</a:t>
+            </a:r>
+            <a:endParaRPr lang="en-AT" dirty="0"/>
+          </a:p>
+          <a:p>
+            <a:pPr lvl="1"/>
+            <a:r>
+              <a:rPr lang="en-US" dirty="0"/>
+              <a:t>Look for the "elbow point" in the plot where the rate of decrease in inertia slows down significantly.</a:t>
+            </a:r>
+            <a:endParaRPr lang="en-AT" dirty="0"/>
+          </a:p>
+          <a:p>
+            <a:pPr lvl="1"/>
+            <a:r>
+              <a:rPr lang="en-US" dirty="0"/>
+              <a:t>Choose the k value at the elbow point as the optimal number of clusters.</a:t>
+            </a:r>
+          </a:p>
+          <a:p>
+            <a:endParaRPr lang="de-AT" dirty="0"/>
+          </a:p>
+        </p:txBody>
+      </p:sp>
+      <p:sp>
+        <p:nvSpPr>
+          <p:cNvPr id="4" name="Foliennummernplatzhalter 3"/>
+          <p:cNvSpPr>
+            <a:spLocks noGrp="1"/>
+          </p:cNvSpPr>
+          <p:nvPr>
+            <p:ph type="sldNum" sz="quarter" idx="5"/>
+          </p:nvPr>
+        </p:nvSpPr>
+        <p:spPr/>
+        <p:txBody>
+          <a:bodyPr/>
+          <a:lstStyle/>
+          <a:p>
+            <a:fld id="{E21BFD0A-64EA-4FED-8508-E18485F70324}" type="slidenum">
+              <a:rPr lang="de-AT" smtClean="0"/>
+              <a:t>5</a:t>
+            </a:fld>
+            <a:endParaRPr lang="de-AT"/>
+          </a:p>
+        </p:txBody>
+      </p:sp>
+    </p:spTree>
+    <p:extLst>
+      <p:ext uri="{BB962C8B-B14F-4D97-AF65-F5344CB8AC3E}">
+        <p14:creationId xmlns:p14="http://schemas.microsoft.com/office/powerpoint/2010/main" val="2047483552"/>
+      </p:ext>
+    </p:extLst>
+  </p:cSld>
+  <p:clrMapOvr>
+    <a:masterClrMapping/>
+  </p:clrMapOvr>
+</p:notes>
+</file>
+
 <file path=ppt/slideLayouts/slideLayout1.xml><?xml version="1.0" encoding="utf-8"?>
 <p:sldLayout xmlns:a="http://schemas.openxmlformats.org/drawingml/2006/main" xmlns:r="http://schemas.openxmlformats.org/officeDocument/2006/relationships" xmlns:p="http://schemas.openxmlformats.org/presentationml/2006/main" type="title" preserve="1">
   <p:cSld name="Titelfolie">
@@ -865,7 +1838,7 @@
           <a:p>
             <a:fld id="{8A37FB5B-033B-476D-8447-05C9B25C0721}" type="datetimeFigureOut">
               <a:rPr lang="de-AT" smtClean="0"/>
-              <a:t>13.06.2024</a:t>
+              <a:t>20.06.2024</a:t>
             </a:fld>
             <a:endParaRPr lang="de-AT"/>
           </a:p>
@@ -1065,7 +2038,7 @@
           <a:p>
             <a:fld id="{8A37FB5B-033B-476D-8447-05C9B25C0721}" type="datetimeFigureOut">
               <a:rPr lang="de-AT" smtClean="0"/>
-              <a:t>13.06.2024</a:t>
+              <a:t>20.06.2024</a:t>
             </a:fld>
             <a:endParaRPr lang="de-AT"/>
           </a:p>
@@ -1275,7 +2248,7 @@
           <a:p>
             <a:fld id="{8A37FB5B-033B-476D-8447-05C9B25C0721}" type="datetimeFigureOut">
               <a:rPr lang="de-AT" smtClean="0"/>
-              <a:t>13.06.2024</a:t>
+              <a:t>20.06.2024</a:t>
             </a:fld>
             <a:endParaRPr lang="de-AT"/>
           </a:p>
@@ -1475,7 +2448,7 @@
           <a:p>
             <a:fld id="{8A37FB5B-033B-476D-8447-05C9B25C0721}" type="datetimeFigureOut">
               <a:rPr lang="de-AT" smtClean="0"/>
-              <a:t>13.06.2024</a:t>
+              <a:t>20.06.2024</a:t>
             </a:fld>
             <a:endParaRPr lang="de-AT"/>
           </a:p>
@@ -1751,7 +2724,7 @@
           <a:p>
             <a:fld id="{8A37FB5B-033B-476D-8447-05C9B25C0721}" type="datetimeFigureOut">
               <a:rPr lang="de-AT" smtClean="0"/>
-              <a:t>13.06.2024</a:t>
+              <a:t>20.06.2024</a:t>
             </a:fld>
             <a:endParaRPr lang="de-AT"/>
           </a:p>
@@ -2019,7 +2992,7 @@
           <a:p>
             <a:fld id="{8A37FB5B-033B-476D-8447-05C9B25C0721}" type="datetimeFigureOut">
               <a:rPr lang="de-AT" smtClean="0"/>
-              <a:t>13.06.2024</a:t>
+              <a:t>20.06.2024</a:t>
             </a:fld>
             <a:endParaRPr lang="de-AT"/>
           </a:p>
@@ -2434,7 +3407,7 @@
           <a:p>
             <a:fld id="{8A37FB5B-033B-476D-8447-05C9B25C0721}" type="datetimeFigureOut">
               <a:rPr lang="de-AT" smtClean="0"/>
-              <a:t>13.06.2024</a:t>
+              <a:t>20.06.2024</a:t>
             </a:fld>
             <a:endParaRPr lang="de-AT"/>
           </a:p>
@@ -2576,7 +3549,7 @@
           <a:p>
             <a:fld id="{8A37FB5B-033B-476D-8447-05C9B25C0721}" type="datetimeFigureOut">
               <a:rPr lang="de-AT" smtClean="0"/>
-              <a:t>13.06.2024</a:t>
+              <a:t>20.06.2024</a:t>
             </a:fld>
             <a:endParaRPr lang="de-AT"/>
           </a:p>
@@ -2689,7 +3662,7 @@
           <a:p>
             <a:fld id="{8A37FB5B-033B-476D-8447-05C9B25C0721}" type="datetimeFigureOut">
               <a:rPr lang="de-AT" smtClean="0"/>
-              <a:t>13.06.2024</a:t>
+              <a:t>20.06.2024</a:t>
             </a:fld>
             <a:endParaRPr lang="de-AT"/>
           </a:p>
@@ -3002,7 +3975,7 @@
           <a:p>
             <a:fld id="{8A37FB5B-033B-476D-8447-05C9B25C0721}" type="datetimeFigureOut">
               <a:rPr lang="de-AT" smtClean="0"/>
-              <a:t>13.06.2024</a:t>
+              <a:t>20.06.2024</a:t>
             </a:fld>
             <a:endParaRPr lang="de-AT"/>
           </a:p>
@@ -3291,7 +4264,7 @@
           <a:p>
             <a:fld id="{8A37FB5B-033B-476D-8447-05C9B25C0721}" type="datetimeFigureOut">
               <a:rPr lang="de-AT" smtClean="0"/>
-              <a:t>13.06.2024</a:t>
+              <a:t>20.06.2024</a:t>
             </a:fld>
             <a:endParaRPr lang="de-AT"/>
           </a:p>
@@ -3534,7 +4507,7 @@
           <a:p>
             <a:fld id="{8A37FB5B-033B-476D-8447-05C9B25C0721}" type="datetimeFigureOut">
               <a:rPr lang="de-AT" smtClean="0"/>
-              <a:t>13.06.2024</a:t>
+              <a:t>20.06.2024</a:t>
             </a:fld>
             <a:endParaRPr lang="de-AT"/>
           </a:p>
@@ -4143,39 +5116,107 @@
           <a:chExt cx="0" cy="0"/>
         </a:xfrm>
       </p:grpSpPr>
-      <p:pic>
-        <p:nvPicPr>
-          <p:cNvPr id="5" name="Inhaltsplatzhalter 4">
-            <a:extLst>
-              <a:ext uri="{FF2B5EF4-FFF2-40B4-BE49-F238E27FC236}">
-                <a16:creationId xmlns:a16="http://schemas.microsoft.com/office/drawing/2014/main" id="{A659F4D9-5B01-8A01-47B5-23F8B95655AB}"/>
-              </a:ext>
-            </a:extLst>
-          </p:cNvPr>
-          <p:cNvPicPr>
-            <a:picLocks noGrp="1" noChangeAspect="1"/>
-          </p:cNvPicPr>
+      <p:sp>
+        <p:nvSpPr>
+          <p:cNvPr id="2" name="Titel 1">
+            <a:extLst>
+              <a:ext uri="{FF2B5EF4-FFF2-40B4-BE49-F238E27FC236}">
+                <a16:creationId xmlns:a16="http://schemas.microsoft.com/office/drawing/2014/main" id="{B08EF572-89E9-B64D-6F16-6368DEC5556A}"/>
+              </a:ext>
+            </a:extLst>
+          </p:cNvPr>
+          <p:cNvSpPr>
+            <a:spLocks noGrp="1"/>
+          </p:cNvSpPr>
+          <p:nvPr>
+            <p:ph type="title"/>
+          </p:nvPr>
+        </p:nvSpPr>
+        <p:spPr/>
+        <p:txBody>
+          <a:bodyPr/>
+          <a:lstStyle/>
+          <a:p>
+            <a:r>
+              <a:rPr lang="en-AT" dirty="0"/>
+              <a:t>Clustering Question</a:t>
+            </a:r>
+            <a:endParaRPr lang="de-AT" dirty="0"/>
+          </a:p>
+        </p:txBody>
+      </p:sp>
+      <p:sp>
+        <p:nvSpPr>
+          <p:cNvPr id="3" name="Inhaltsplatzhalter 2">
+            <a:extLst>
+              <a:ext uri="{FF2B5EF4-FFF2-40B4-BE49-F238E27FC236}">
+                <a16:creationId xmlns:a16="http://schemas.microsoft.com/office/drawing/2014/main" id="{BD39BF95-8809-63B8-AF5C-BB866B202657}"/>
+              </a:ext>
+            </a:extLst>
+          </p:cNvPr>
+          <p:cNvSpPr>
+            <a:spLocks noGrp="1"/>
+          </p:cNvSpPr>
           <p:nvPr>
             <p:ph idx="1"/>
           </p:nvPr>
-        </p:nvPicPr>
-        <p:blipFill>
-          <a:blip r:embed="rId2"/>
-          <a:stretch>
-            <a:fillRect/>
-          </a:stretch>
-        </p:blipFill>
-        <p:spPr>
-          <a:xfrm>
-            <a:off x="2356154" y="56400"/>
-            <a:ext cx="7305524" cy="6745199"/>
-          </a:xfrm>
-        </p:spPr>
-      </p:pic>
+        </p:nvSpPr>
+        <p:spPr/>
+        <p:txBody>
+          <a:bodyPr>
+            <a:normAutofit/>
+          </a:bodyPr>
+          <a:lstStyle/>
+          <a:p>
+            <a:r>
+              <a:rPr lang="en-AT" dirty="0"/>
+              <a:t>D</a:t>
+            </a:r>
+            <a:r>
+              <a:rPr lang="en-US" dirty="0" err="1"/>
+              <a:t>oes</a:t>
+            </a:r>
+            <a:r>
+              <a:rPr lang="en-US" dirty="0"/>
+              <a:t> clustering by aroma correlate to the type of beer (like pale ale etc.</a:t>
+            </a:r>
+            <a:r>
+              <a:rPr lang="en-AT" dirty="0"/>
+              <a:t>)</a:t>
+            </a:r>
+            <a:r>
+              <a:rPr lang="en-US" dirty="0"/>
+              <a:t>?</a:t>
+            </a:r>
+            <a:endParaRPr lang="en-AT" dirty="0"/>
+          </a:p>
+          <a:p>
+            <a:endParaRPr lang="en-AT" dirty="0"/>
+          </a:p>
+          <a:p>
+            <a:pPr lvl="1"/>
+            <a:r>
+              <a:rPr lang="en-US" dirty="0"/>
+              <a:t>In total, 84 out of 250 beers (34%) are of the most common type in their respective cluster.</a:t>
+            </a:r>
+          </a:p>
+          <a:p>
+            <a:endParaRPr lang="en-US" dirty="0"/>
+          </a:p>
+          <a:p>
+            <a:pPr lvl="1"/>
+            <a:r>
+              <a:rPr lang="en-US" dirty="0"/>
+              <a:t>The calculation shows that the same beer types tend to be in different clusters. Only about one-third of the beers are of the most common type in their cluster. The clustering does not seem to strongly correlate with the beer types.</a:t>
+            </a:r>
+            <a:endParaRPr lang="de-AT" dirty="0"/>
+          </a:p>
+        </p:txBody>
+      </p:sp>
     </p:spTree>
     <p:extLst>
       <p:ext uri="{BB962C8B-B14F-4D97-AF65-F5344CB8AC3E}">
-        <p14:creationId xmlns:p14="http://schemas.microsoft.com/office/powerpoint/2010/main" val="3679633625"/>
+        <p14:creationId xmlns:p14="http://schemas.microsoft.com/office/powerpoint/2010/main" val="1432424079"/>
       </p:ext>
     </p:extLst>
   </p:cSld>
@@ -4202,107 +5243,39 @@
           <a:chExt cx="0" cy="0"/>
         </a:xfrm>
       </p:grpSpPr>
-      <p:sp>
-        <p:nvSpPr>
-          <p:cNvPr id="2" name="Titel 1">
-            <a:extLst>
-              <a:ext uri="{FF2B5EF4-FFF2-40B4-BE49-F238E27FC236}">
-                <a16:creationId xmlns:a16="http://schemas.microsoft.com/office/drawing/2014/main" id="{B08EF572-89E9-B64D-6F16-6368DEC5556A}"/>
-              </a:ext>
-            </a:extLst>
-          </p:cNvPr>
-          <p:cNvSpPr>
-            <a:spLocks noGrp="1"/>
-          </p:cNvSpPr>
-          <p:nvPr>
-            <p:ph type="title"/>
-          </p:nvPr>
-        </p:nvSpPr>
-        <p:spPr/>
-        <p:txBody>
-          <a:bodyPr/>
-          <a:lstStyle/>
-          <a:p>
-            <a:r>
-              <a:rPr lang="en-AT" dirty="0"/>
-              <a:t>Clustering Question</a:t>
-            </a:r>
-            <a:endParaRPr lang="de-AT" dirty="0"/>
-          </a:p>
-        </p:txBody>
-      </p:sp>
-      <p:sp>
-        <p:nvSpPr>
-          <p:cNvPr id="3" name="Inhaltsplatzhalter 2">
-            <a:extLst>
-              <a:ext uri="{FF2B5EF4-FFF2-40B4-BE49-F238E27FC236}">
-                <a16:creationId xmlns:a16="http://schemas.microsoft.com/office/drawing/2014/main" id="{BD39BF95-8809-63B8-AF5C-BB866B202657}"/>
-              </a:ext>
-            </a:extLst>
-          </p:cNvPr>
-          <p:cNvSpPr>
-            <a:spLocks noGrp="1"/>
-          </p:cNvSpPr>
+      <p:pic>
+        <p:nvPicPr>
+          <p:cNvPr id="5" name="Inhaltsplatzhalter 4">
+            <a:extLst>
+              <a:ext uri="{FF2B5EF4-FFF2-40B4-BE49-F238E27FC236}">
+                <a16:creationId xmlns:a16="http://schemas.microsoft.com/office/drawing/2014/main" id="{A659F4D9-5B01-8A01-47B5-23F8B95655AB}"/>
+              </a:ext>
+            </a:extLst>
+          </p:cNvPr>
+          <p:cNvPicPr>
+            <a:picLocks noGrp="1" noChangeAspect="1"/>
+          </p:cNvPicPr>
           <p:nvPr>
             <p:ph idx="1"/>
           </p:nvPr>
-        </p:nvSpPr>
-        <p:spPr/>
-        <p:txBody>
-          <a:bodyPr>
-            <a:normAutofit/>
-          </a:bodyPr>
-          <a:lstStyle/>
-          <a:p>
-            <a:r>
-              <a:rPr lang="en-AT" dirty="0"/>
-              <a:t>D</a:t>
-            </a:r>
-            <a:r>
-              <a:rPr lang="en-US" dirty="0" err="1"/>
-              <a:t>oes</a:t>
-            </a:r>
-            <a:r>
-              <a:rPr lang="en-US" dirty="0"/>
-              <a:t> clustering by aroma correlate to the type of beer (like pale ale etc.</a:t>
-            </a:r>
-            <a:r>
-              <a:rPr lang="en-AT" dirty="0"/>
-              <a:t>)</a:t>
-            </a:r>
-            <a:r>
-              <a:rPr lang="en-US" dirty="0"/>
-              <a:t>?</a:t>
-            </a:r>
-            <a:endParaRPr lang="en-AT" dirty="0"/>
-          </a:p>
-          <a:p>
-            <a:endParaRPr lang="en-AT" dirty="0"/>
-          </a:p>
-          <a:p>
-            <a:pPr lvl="1"/>
-            <a:r>
-              <a:rPr lang="en-US" dirty="0"/>
-              <a:t>In total, 84 out of 250 beers (34%) are of the most common type in their respective cluster.</a:t>
-            </a:r>
-          </a:p>
-          <a:p>
-            <a:endParaRPr lang="en-US" dirty="0"/>
-          </a:p>
-          <a:p>
-            <a:pPr lvl="1"/>
-            <a:r>
-              <a:rPr lang="en-US" dirty="0"/>
-              <a:t>The calculation shows that the same beer types tend to be in different clusters. Only about one-third of the beers are of the most common type in their cluster. The clustering does not seem to strongly correlate with the beer types.</a:t>
-            </a:r>
-            <a:endParaRPr lang="de-AT" dirty="0"/>
-          </a:p>
-        </p:txBody>
-      </p:sp>
+        </p:nvPicPr>
+        <p:blipFill>
+          <a:blip r:embed="rId2"/>
+          <a:stretch>
+            <a:fillRect/>
+          </a:stretch>
+        </p:blipFill>
+        <p:spPr>
+          <a:xfrm>
+            <a:off x="2356154" y="56400"/>
+            <a:ext cx="7305524" cy="6745199"/>
+          </a:xfrm>
+        </p:spPr>
+      </p:pic>
     </p:spTree>
     <p:extLst>
       <p:ext uri="{BB962C8B-B14F-4D97-AF65-F5344CB8AC3E}">
-        <p14:creationId xmlns:p14="http://schemas.microsoft.com/office/powerpoint/2010/main" val="1432424079"/>
+        <p14:creationId xmlns:p14="http://schemas.microsoft.com/office/powerpoint/2010/main" val="3679633625"/>
       </p:ext>
     </p:extLst>
   </p:cSld>
@@ -4473,7 +5446,152 @@
           <a:bodyPr/>
           <a:lstStyle/>
           <a:p>
-            <a:endParaRPr lang="de-AT"/>
+            <a:r>
+              <a:rPr lang="de-AT" dirty="0"/>
+              <a:t>Questions on </a:t>
+            </a:r>
+            <a:r>
+              <a:rPr lang="de-AT" dirty="0" err="1"/>
+              <a:t>unknown</a:t>
+            </a:r>
+            <a:r>
+              <a:rPr lang="de-AT" dirty="0"/>
+              <a:t> </a:t>
+            </a:r>
+            <a:r>
+              <a:rPr lang="de-AT" dirty="0" err="1"/>
+              <a:t>data</a:t>
+            </a:r>
+            <a:r>
+              <a:rPr lang="de-AT" dirty="0"/>
+              <a:t> </a:t>
+            </a:r>
+            <a:r>
+              <a:rPr lang="de-AT" dirty="0" err="1"/>
+              <a:t>sets</a:t>
+            </a:r>
+            <a:r>
+              <a:rPr lang="de-AT" dirty="0"/>
+              <a:t> </a:t>
+            </a:r>
+            <a:r>
+              <a:rPr lang="de-AT" dirty="0" err="1"/>
+              <a:t>are</a:t>
+            </a:r>
+            <a:r>
+              <a:rPr lang="de-AT" dirty="0"/>
+              <a:t> </a:t>
+            </a:r>
+            <a:r>
+              <a:rPr lang="de-AT" dirty="0" err="1"/>
+              <a:t>pretty</a:t>
+            </a:r>
+            <a:r>
+              <a:rPr lang="de-AT" dirty="0"/>
+              <a:t> </a:t>
+            </a:r>
+            <a:r>
+              <a:rPr lang="de-AT" dirty="0" err="1"/>
+              <a:t>hard</a:t>
+            </a:r>
+            <a:r>
+              <a:rPr lang="de-AT" dirty="0"/>
+              <a:t> </a:t>
+            </a:r>
+            <a:r>
+              <a:rPr lang="de-AT" dirty="0" err="1"/>
+              <a:t>to</a:t>
+            </a:r>
+            <a:r>
+              <a:rPr lang="de-AT" dirty="0"/>
+              <a:t> </a:t>
+            </a:r>
+            <a:r>
+              <a:rPr lang="de-AT" dirty="0" err="1"/>
+              <a:t>formulate</a:t>
+            </a:r>
+            <a:endParaRPr lang="de-AT" dirty="0"/>
+          </a:p>
+          <a:p>
+            <a:r>
+              <a:rPr lang="de-AT" dirty="0" err="1"/>
+              <a:t>Analyzing</a:t>
+            </a:r>
+            <a:r>
+              <a:rPr lang="de-AT" dirty="0"/>
+              <a:t> </a:t>
+            </a:r>
+            <a:r>
+              <a:rPr lang="de-AT" dirty="0" err="1"/>
+              <a:t>data</a:t>
+            </a:r>
+            <a:r>
+              <a:rPr lang="de-AT" dirty="0"/>
+              <a:t> </a:t>
+            </a:r>
+            <a:r>
+              <a:rPr lang="de-AT" dirty="0" err="1"/>
+              <a:t>takes</a:t>
+            </a:r>
+            <a:r>
+              <a:rPr lang="de-AT" dirty="0"/>
+              <a:t> a </a:t>
+            </a:r>
+            <a:r>
+              <a:rPr lang="de-AT" dirty="0" err="1"/>
+              <a:t>lot</a:t>
+            </a:r>
+            <a:r>
+              <a:rPr lang="de-AT" dirty="0"/>
+              <a:t> </a:t>
+            </a:r>
+            <a:r>
+              <a:rPr lang="de-AT" dirty="0" err="1"/>
+              <a:t>of</a:t>
+            </a:r>
+            <a:r>
+              <a:rPr lang="de-AT" dirty="0"/>
+              <a:t> time</a:t>
+            </a:r>
+          </a:p>
+          <a:p>
+            <a:r>
+              <a:rPr lang="de-AT" dirty="0" err="1"/>
+              <a:t>Some</a:t>
+            </a:r>
+            <a:r>
+              <a:rPr lang="de-AT" dirty="0"/>
+              <a:t> </a:t>
+            </a:r>
+            <a:r>
+              <a:rPr lang="de-AT" dirty="0" err="1"/>
+              <a:t>questions</a:t>
+            </a:r>
+            <a:r>
+              <a:rPr lang="de-AT" dirty="0"/>
+              <a:t> </a:t>
+            </a:r>
+            <a:r>
+              <a:rPr lang="de-AT" dirty="0" err="1"/>
+              <a:t>might</a:t>
+            </a:r>
+            <a:r>
+              <a:rPr lang="de-AT" dirty="0"/>
+              <a:t> not </a:t>
+            </a:r>
+            <a:r>
+              <a:rPr lang="de-AT" dirty="0" err="1"/>
+              <a:t>be</a:t>
+            </a:r>
+            <a:r>
+              <a:rPr lang="de-AT" dirty="0"/>
+              <a:t> </a:t>
+            </a:r>
+            <a:r>
+              <a:rPr lang="de-AT" dirty="0" err="1"/>
+              <a:t>answered</a:t>
+            </a:r>
+            <a:endParaRPr lang="de-AT" dirty="0"/>
           </a:p>
         </p:txBody>
       </p:sp>
@@ -4491,7 +5609,7 @@
 </file>
 
 <file path=ppt/slides/slide15.xml><?xml version="1.0" encoding="utf-8"?>
-<p:sld xmlns:a="http://schemas.openxmlformats.org/drawingml/2006/main" xmlns:r="http://schemas.openxmlformats.org/officeDocument/2006/relationships" xmlns:p="http://schemas.openxmlformats.org/presentationml/2006/main">
+<p:sld xmlns:a="http://schemas.openxmlformats.org/drawingml/2006/main" xmlns:r="http://schemas.openxmlformats.org/officeDocument/2006/relationships" xmlns:p="http://schemas.openxmlformats.org/presentationml/2006/main" show="0">
   <p:cSld>
     <p:spTree>
       <p:nvGrpSpPr>
@@ -4575,7 +5693,7 @@
 </file>
 
 <file path=ppt/slides/slide16.xml><?xml version="1.0" encoding="utf-8"?>
-<p:sld xmlns:a="http://schemas.openxmlformats.org/drawingml/2006/main" xmlns:r="http://schemas.openxmlformats.org/officeDocument/2006/relationships" xmlns:p="http://schemas.openxmlformats.org/presentationml/2006/main">
+<p:sld xmlns:a="http://schemas.openxmlformats.org/drawingml/2006/main" xmlns:r="http://schemas.openxmlformats.org/officeDocument/2006/relationships" xmlns:p="http://schemas.openxmlformats.org/presentationml/2006/main" show="0">
   <p:cSld>
     <p:spTree>
       <p:nvGrpSpPr>
@@ -4848,37 +5966,6 @@
             </a:pPr>
             <a:endParaRPr lang="en-AT" dirty="0"/>
           </a:p>
-          <a:p>
-            <a:r>
-              <a:rPr lang="en-AT" dirty="0" err="1"/>
-              <a:t>Mustermann</a:t>
-            </a:r>
-            <a:r>
-              <a:rPr lang="en-AT" dirty="0"/>
-              <a:t> likes beer X</a:t>
-            </a:r>
-          </a:p>
-          <a:p>
-            <a:r>
-              <a:rPr lang="de-AT" dirty="0"/>
-              <a:t>B</a:t>
-            </a:r>
-            <a:r>
-              <a:rPr lang="en-AT" dirty="0" err="1"/>
-              <a:t>eer</a:t>
-            </a:r>
-            <a:r>
-              <a:rPr lang="en-AT" dirty="0"/>
-              <a:t> X is in cluster C</a:t>
-            </a:r>
-          </a:p>
-          <a:p>
-            <a:r>
-              <a:rPr lang="en-AT" dirty="0"/>
-              <a:t>Find best rated beer in cluster C</a:t>
-            </a:r>
-            <a:endParaRPr lang="de-AT" dirty="0"/>
-          </a:p>
         </p:txBody>
       </p:sp>
     </p:spTree>
@@ -4959,7 +6046,7 @@
         <p:spPr/>
         <p:txBody>
           <a:bodyPr>
-            <a:normAutofit lnSpcReduction="10000"/>
+            <a:normAutofit/>
           </a:bodyPr>
           <a:lstStyle/>
           <a:p>
@@ -4976,292 +6063,38 @@
           </a:p>
           <a:p>
             <a:r>
-              <a:rPr lang="en-AT" dirty="0"/>
-              <a:t>Use following attributes to categorize beers by their taste (Note: we removed all cumulated attributes)</a:t>
-            </a:r>
-          </a:p>
-          <a:p>
-            <a:pPr lvl="1"/>
+              <a:rPr lang="de-AT" dirty="0"/>
+              <a:t>Remove </a:t>
+            </a:r>
             <a:r>
               <a:rPr lang="de-AT" dirty="0" err="1"/>
-              <a:t>A_malt_grain</a:t>
+              <a:t>attributes</a:t>
             </a:r>
             <a:r>
               <a:rPr lang="de-AT" dirty="0"/>
-              <a:t> ,</a:t>
+              <a:t> </a:t>
             </a:r>
             <a:r>
               <a:rPr lang="de-AT" dirty="0" err="1"/>
-              <a:t>A_malt_bread</a:t>
+              <a:t>that</a:t>
             </a:r>
             <a:r>
               <a:rPr lang="de-AT" dirty="0"/>
-              <a:t> ,</a:t>
+              <a:t> </a:t>
             </a:r>
             <a:r>
               <a:rPr lang="de-AT" dirty="0" err="1"/>
-              <a:t>A_malt_cara</a:t>
+              <a:t>accumulate</a:t>
             </a:r>
             <a:r>
               <a:rPr lang="de-AT" dirty="0"/>
-              <a:t> ,</a:t>
+              <a:t> </a:t>
             </a:r>
             <a:r>
               <a:rPr lang="de-AT" dirty="0" err="1"/>
-              <a:t>A_malt_burn</a:t>
-            </a:r>
-            <a:r>
-              <a:rPr lang="de-AT" dirty="0"/>
-              <a:t> ,</a:t>
-            </a:r>
-            <a:r>
-              <a:rPr lang="de-AT" dirty="0" err="1"/>
-              <a:t>A_hops_citrus</a:t>
-            </a:r>
-            <a:r>
-              <a:rPr lang="de-AT" dirty="0"/>
-              <a:t> ,</a:t>
-            </a:r>
-            <a:r>
-              <a:rPr lang="de-AT" dirty="0" err="1"/>
-              <a:t>A_hops_tropical</a:t>
-            </a:r>
-            <a:r>
-              <a:rPr lang="de-AT" dirty="0"/>
-              <a:t> ,</a:t>
-            </a:r>
-            <a:r>
-              <a:rPr lang="de-AT" dirty="0" err="1"/>
-              <a:t>A_hops_noble</a:t>
-            </a:r>
-            <a:r>
-              <a:rPr lang="de-AT" dirty="0"/>
-              <a:t> ,</a:t>
-            </a:r>
-            <a:r>
-              <a:rPr lang="de-AT" dirty="0" err="1"/>
-              <a:t>A_hops_woody</a:t>
-            </a:r>
-            <a:r>
-              <a:rPr lang="de-AT" dirty="0"/>
-              <a:t> ,</a:t>
-            </a:r>
-            <a:r>
-              <a:rPr lang="de-AT" dirty="0" err="1"/>
-              <a:t>A_esters_ethac</a:t>
-            </a:r>
-            <a:r>
-              <a:rPr lang="de-AT" dirty="0"/>
-              <a:t> ,</a:t>
-            </a:r>
-            <a:r>
-              <a:rPr lang="de-AT" dirty="0" err="1"/>
-              <a:t>A_esters_isoaa</a:t>
-            </a:r>
-            <a:r>
-              <a:rPr lang="de-AT" dirty="0"/>
-              <a:t> ,</a:t>
-            </a:r>
-            <a:r>
-              <a:rPr lang="de-AT" dirty="0" err="1"/>
-              <a:t>A_esters_flower</a:t>
-            </a:r>
-            <a:r>
-              <a:rPr lang="de-AT" dirty="0"/>
-              <a:t> ,</a:t>
-            </a:r>
-            <a:r>
-              <a:rPr lang="de-AT" dirty="0" err="1"/>
-              <a:t>A_esters_fruity</a:t>
-            </a:r>
-            <a:r>
-              <a:rPr lang="de-AT" dirty="0"/>
-              <a:t> ,</a:t>
-            </a:r>
-            <a:r>
-              <a:rPr lang="de-AT" dirty="0" err="1"/>
-              <a:t>F_malt_grain</a:t>
-            </a:r>
-            <a:r>
-              <a:rPr lang="de-AT" dirty="0"/>
-              <a:t> ,</a:t>
-            </a:r>
-            <a:r>
-              <a:rPr lang="de-AT" dirty="0" err="1"/>
-              <a:t>F_malt_bread</a:t>
-            </a:r>
-            <a:r>
-              <a:rPr lang="de-AT" dirty="0"/>
-              <a:t> ,</a:t>
-            </a:r>
-            <a:r>
-              <a:rPr lang="de-AT" dirty="0" err="1"/>
-              <a:t>F_malt_cara</a:t>
-            </a:r>
-            <a:r>
-              <a:rPr lang="de-AT" dirty="0"/>
-              <a:t> ,</a:t>
-            </a:r>
-            <a:r>
-              <a:rPr lang="de-AT" dirty="0" err="1"/>
-              <a:t>F_malt_burn</a:t>
-            </a:r>
-            <a:r>
-              <a:rPr lang="de-AT" dirty="0"/>
-              <a:t> ,</a:t>
-            </a:r>
-            <a:r>
-              <a:rPr lang="de-AT" dirty="0" err="1"/>
-              <a:t>F_hops_citrus</a:t>
-            </a:r>
-            <a:r>
-              <a:rPr lang="de-AT" dirty="0"/>
-              <a:t> ,</a:t>
-            </a:r>
-            <a:r>
-              <a:rPr lang="de-AT" dirty="0" err="1"/>
-              <a:t>F_hops_tropical</a:t>
-            </a:r>
-            <a:r>
-              <a:rPr lang="de-AT" dirty="0"/>
-              <a:t> ,</a:t>
-            </a:r>
-            <a:r>
-              <a:rPr lang="de-AT" dirty="0" err="1"/>
-              <a:t>F_hops_noble</a:t>
-            </a:r>
-            <a:r>
-              <a:rPr lang="de-AT" dirty="0"/>
-              <a:t> ,</a:t>
-            </a:r>
-            <a:r>
-              <a:rPr lang="de-AT" dirty="0" err="1"/>
-              <a:t>F_hops_woody</a:t>
-            </a:r>
-            <a:r>
-              <a:rPr lang="de-AT" dirty="0"/>
-              <a:t> ,</a:t>
-            </a:r>
-            <a:r>
-              <a:rPr lang="de-AT" dirty="0" err="1"/>
-              <a:t>F_esters_ethac</a:t>
-            </a:r>
-            <a:r>
-              <a:rPr lang="de-AT" dirty="0"/>
-              <a:t> ,</a:t>
-            </a:r>
-            <a:r>
-              <a:rPr lang="de-AT" dirty="0" err="1"/>
-              <a:t>F_esters_isoaa</a:t>
-            </a:r>
-            <a:r>
-              <a:rPr lang="de-AT" dirty="0"/>
-              <a:t> ,</a:t>
-            </a:r>
-            <a:r>
-              <a:rPr lang="de-AT" dirty="0" err="1"/>
-              <a:t>F_esters_flower</a:t>
-            </a:r>
-            <a:r>
-              <a:rPr lang="de-AT" dirty="0"/>
-              <a:t> ,</a:t>
-            </a:r>
-            <a:r>
-              <a:rPr lang="de-AT" dirty="0" err="1"/>
-              <a:t>F_esters_fruity</a:t>
-            </a:r>
-            <a:r>
-              <a:rPr lang="de-AT" dirty="0"/>
-              <a:t> ,</a:t>
-            </a:r>
-            <a:r>
-              <a:rPr lang="de-AT" dirty="0" err="1"/>
-              <a:t>acidity</a:t>
-            </a:r>
-            <a:r>
-              <a:rPr lang="de-AT" dirty="0"/>
-              <a:t> ,</a:t>
-            </a:r>
-            <a:r>
-              <a:rPr lang="de-AT" dirty="0" err="1"/>
-              <a:t>bitternes</a:t>
-            </a:r>
-            <a:r>
-              <a:rPr lang="de-AT" dirty="0"/>
-              <a:t> ,</a:t>
-            </a:r>
-            <a:r>
-              <a:rPr lang="de-AT" dirty="0" err="1"/>
-              <a:t>sweetness</a:t>
-            </a:r>
-            <a:r>
-              <a:rPr lang="de-AT" dirty="0"/>
-              <a:t> ,X4vg ,</a:t>
-            </a:r>
-            <a:r>
-              <a:rPr lang="de-AT" dirty="0" err="1"/>
-              <a:t>diacetyl</a:t>
-            </a:r>
-            <a:r>
-              <a:rPr lang="de-AT" dirty="0"/>
-              <a:t> ,</a:t>
-            </a:r>
-            <a:r>
-              <a:rPr lang="de-AT" dirty="0" err="1"/>
-              <a:t>dms</a:t>
-            </a:r>
-            <a:r>
-              <a:rPr lang="de-AT" dirty="0"/>
-              <a:t> ,metallic ,</a:t>
-            </a:r>
-            <a:r>
-              <a:rPr lang="de-AT" dirty="0" err="1"/>
-              <a:t>stale_hops</a:t>
-            </a:r>
-            <a:r>
-              <a:rPr lang="de-AT" dirty="0"/>
-              <a:t> ,t2n ,orange ,</a:t>
-            </a:r>
-            <a:r>
-              <a:rPr lang="de-AT" dirty="0" err="1"/>
-              <a:t>coriander</a:t>
-            </a:r>
-            <a:r>
-              <a:rPr lang="de-AT" dirty="0"/>
-              <a:t> ,</a:t>
-            </a:r>
-            <a:r>
-              <a:rPr lang="de-AT" dirty="0" err="1"/>
-              <a:t>clove</a:t>
-            </a:r>
-            <a:r>
-              <a:rPr lang="de-AT" dirty="0"/>
-              <a:t> ,</a:t>
-            </a:r>
-            <a:r>
-              <a:rPr lang="de-AT" dirty="0" err="1"/>
-              <a:t>lactic</a:t>
-            </a:r>
-            <a:r>
-              <a:rPr lang="de-AT" dirty="0"/>
-              <a:t> ,</a:t>
-            </a:r>
-            <a:r>
-              <a:rPr lang="de-AT" dirty="0" err="1"/>
-              <a:t>acetic</a:t>
-            </a:r>
-            <a:r>
-              <a:rPr lang="de-AT" dirty="0"/>
-              <a:t> ,</a:t>
-            </a:r>
-            <a:r>
-              <a:rPr lang="de-AT" dirty="0" err="1"/>
-              <a:t>barnyard</a:t>
-            </a:r>
-            <a:r>
-              <a:rPr lang="de-AT" dirty="0"/>
-              <a:t> ,aftertaste ,co2</a:t>
-            </a:r>
+              <a:t>others</a:t>
+            </a:r>
+            <a:endParaRPr lang="en-AT" dirty="0"/>
           </a:p>
         </p:txBody>
       </p:sp>
@@ -5343,65 +6176,26 @@
         <p:spPr/>
         <p:txBody>
           <a:bodyPr>
-            <a:normAutofit fontScale="92500" lnSpcReduction="10000"/>
+            <a:normAutofit/>
           </a:bodyPr>
           <a:lstStyle/>
           <a:p>
             <a:r>
               <a:rPr lang="en-US" dirty="0"/>
-              <a:t>At first we experiment with heuristic lab and k mean. Then we were able to create our first clusters with the desired target variables.</a:t>
+              <a:t>Initially created some basic clusters with our target variable</a:t>
             </a:r>
           </a:p>
           <a:p>
             <a:r>
               <a:rPr lang="en-US" dirty="0"/>
-              <a:t>Now we want to find the right cluster size. For this we are using the elbow method.</a:t>
-            </a:r>
-          </a:p>
-          <a:p>
+              <a:t>How to determine the right cluster-size?</a:t>
+            </a:r>
+          </a:p>
+          <a:p>
+            <a:pPr lvl="1"/>
             <a:r>
               <a:rPr lang="en-US" dirty="0"/>
-              <a:t>Elbow Method:</a:t>
-            </a:r>
-            <a:endParaRPr lang="en-AT" dirty="0"/>
-          </a:p>
-          <a:p>
-            <a:pPr lvl="1"/>
-            <a:r>
-              <a:rPr lang="en-US" dirty="0"/>
-              <a:t> Run k-means clustering on the data for a range of k values (e.g., 1 to 10).</a:t>
-            </a:r>
-            <a:endParaRPr lang="en-AT" dirty="0"/>
-          </a:p>
-          <a:p>
-            <a:pPr lvl="1"/>
-            <a:r>
-              <a:rPr lang="en-US" dirty="0"/>
-              <a:t> For each k, calculate the sum of squared distances between data points and their cluster centroid (inertia or within-cluster sum of squares).</a:t>
-            </a:r>
-            <a:endParaRPr lang="en-AT" dirty="0"/>
-          </a:p>
-          <a:p>
-            <a:pPr lvl="1"/>
-            <a:r>
-              <a:rPr lang="en-US" dirty="0"/>
-              <a:t>Plot the inertia against the number of clusters k.</a:t>
-            </a:r>
-            <a:endParaRPr lang="en-AT" dirty="0"/>
-          </a:p>
-          <a:p>
-            <a:pPr lvl="1"/>
-            <a:r>
-              <a:rPr lang="en-US" dirty="0"/>
-              <a:t>Look for the "elbow point" in the plot where the rate of decrease in inertia slows down significantly.</a:t>
-            </a:r>
-            <a:endParaRPr lang="en-AT" dirty="0"/>
-          </a:p>
-          <a:p>
-            <a:pPr lvl="1"/>
-            <a:r>
-              <a:rPr lang="en-US" dirty="0"/>
-              <a:t>Choose the k value at the elbow point as the optimal number of clusters.</a:t>
+              <a:t>Elbow Method</a:t>
             </a:r>
           </a:p>
           <a:p>
@@ -5603,7 +6397,7 @@
 </file>
 
 <file path=ppt/slides/slide7.xml><?xml version="1.0" encoding="utf-8"?>
-<p:sld xmlns:a="http://schemas.openxmlformats.org/drawingml/2006/main" xmlns:r="http://schemas.openxmlformats.org/officeDocument/2006/relationships" xmlns:p="http://schemas.openxmlformats.org/presentationml/2006/main">
+<p:sld xmlns:a="http://schemas.openxmlformats.org/drawingml/2006/main" xmlns:r="http://schemas.openxmlformats.org/officeDocument/2006/relationships" xmlns:p="http://schemas.openxmlformats.org/presentationml/2006/main" show="0">
   <p:cSld>
     <p:spTree>
       <p:nvGrpSpPr>
@@ -6264,7 +7058,7 @@
 </file>
 
 <file path=ppt/slides/slide9.xml><?xml version="1.0" encoding="utf-8"?>
-<p:sld xmlns:a="http://schemas.openxmlformats.org/drawingml/2006/main" xmlns:r="http://schemas.openxmlformats.org/officeDocument/2006/relationships" xmlns:p="http://schemas.openxmlformats.org/presentationml/2006/main">
+<p:sld xmlns:a="http://schemas.openxmlformats.org/drawingml/2006/main" xmlns:r="http://schemas.openxmlformats.org/officeDocument/2006/relationships" xmlns:p="http://schemas.openxmlformats.org/presentationml/2006/main" show="0">
   <p:cSld>
     <p:spTree>
       <p:nvGrpSpPr>
@@ -6635,4 +7429,319 @@
     </a:ext>
   </a:extLst>
 </a:theme>
+</file>
+
+<file path=ppt/theme/theme2.xml><?xml version="1.0" encoding="utf-8"?>
+<a:theme xmlns:a="http://schemas.openxmlformats.org/drawingml/2006/main" name="Office">
+  <a:themeElements>
+    <a:clrScheme name="Office">
+      <a:dk1>
+        <a:sysClr val="windowText" lastClr="000000"/>
+      </a:dk1>
+      <a:lt1>
+        <a:sysClr val="window" lastClr="FFFFFF"/>
+      </a:lt1>
+      <a:dk2>
+        <a:srgbClr val="0E2841"/>
+      </a:dk2>
+      <a:lt2>
+        <a:srgbClr val="E8E8E8"/>
+      </a:lt2>
+      <a:accent1>
+        <a:srgbClr val="156082"/>
+      </a:accent1>
+      <a:accent2>
+        <a:srgbClr val="E97132"/>
+      </a:accent2>
+      <a:accent3>
+        <a:srgbClr val="196B24"/>
+      </a:accent3>
+      <a:accent4>
+        <a:srgbClr val="0F9ED5"/>
+      </a:accent4>
+      <a:accent5>
+        <a:srgbClr val="A02B93"/>
+      </a:accent5>
+      <a:accent6>
+        <a:srgbClr val="4EA72E"/>
+      </a:accent6>
+      <a:hlink>
+        <a:srgbClr val="467886"/>
+      </a:hlink>
+      <a:folHlink>
+        <a:srgbClr val="96607D"/>
+      </a:folHlink>
+    </a:clrScheme>
+    <a:fontScheme name="Office">
+      <a:majorFont>
+        <a:latin typeface="Aptos Display" panose="02110004020202020204"/>
+        <a:ea typeface=""/>
+        <a:cs typeface=""/>
+        <a:font script="Jpan" typeface="游ゴシック Light"/>
+        <a:font script="Hang" typeface="맑은 고딕"/>
+        <a:font script="Hans" typeface="等线 Light"/>
+        <a:font script="Hant" typeface="新細明體"/>
+        <a:font script="Arab" typeface="Times New Roman"/>
+        <a:font script="Hebr" typeface="Times New Roman"/>
+        <a:font script="Thai" typeface="Angsana New"/>
+        <a:font script="Ethi" typeface="Nyala"/>
+        <a:font script="Beng" typeface="Vrinda"/>
+        <a:font script="Gujr" typeface="Shruti"/>
+        <a:font script="Khmr" typeface="MoolBoran"/>
+        <a:font script="Knda" typeface="Tunga"/>
+        <a:font script="Guru" typeface="Raavi"/>
+        <a:font script="Cans" typeface="Euphemia"/>
+        <a:font script="Cher" typeface="Plantagenet Cherokee"/>
+        <a:font script="Yiii" typeface="Microsoft Yi Baiti"/>
+        <a:font script="Tibt" typeface="Microsoft Himalaya"/>
+        <a:font script="Thaa" typeface="MV Boli"/>
+        <a:font script="Deva" typeface="Mangal"/>
+        <a:font script="Telu" typeface="Gautami"/>
+        <a:font script="Taml" typeface="Latha"/>
+        <a:font script="Syrc" typeface="Estrangelo Edessa"/>
+        <a:font script="Orya" typeface="Kalinga"/>
+        <a:font script="Mlym" typeface="Kartika"/>
+        <a:font script="Laoo" typeface="DokChampa"/>
+        <a:font script="Sinh" typeface="Iskoola Pota"/>
+        <a:font script="Mong" typeface="Mongolian Baiti"/>
+        <a:font script="Viet" typeface="Times New Roman"/>
+        <a:font script="Uigh" typeface="Microsoft Uighur"/>
+        <a:font script="Geor" typeface="Sylfaen"/>
+        <a:font script="Armn" typeface="Arial"/>
+        <a:font script="Bugi" typeface="Leelawadee UI"/>
+        <a:font script="Bopo" typeface="Microsoft JhengHei"/>
+        <a:font script="Java" typeface="Javanese Text"/>
+        <a:font script="Lisu" typeface="Segoe UI"/>
+        <a:font script="Mymr" typeface="Myanmar Text"/>
+        <a:font script="Nkoo" typeface="Ebrima"/>
+        <a:font script="Olck" typeface="Nirmala UI"/>
+        <a:font script="Osma" typeface="Ebrima"/>
+        <a:font script="Phag" typeface="Phagspa"/>
+        <a:font script="Syrn" typeface="Estrangelo Edessa"/>
+        <a:font script="Syrj" typeface="Estrangelo Edessa"/>
+        <a:font script="Syre" typeface="Estrangelo Edessa"/>
+        <a:font script="Sora" typeface="Nirmala UI"/>
+        <a:font script="Tale" typeface="Microsoft Tai Le"/>
+        <a:font script="Talu" typeface="Microsoft New Tai Lue"/>
+        <a:font script="Tfng" typeface="Ebrima"/>
+      </a:majorFont>
+      <a:minorFont>
+        <a:latin typeface="Aptos" panose="02110004020202020204"/>
+        <a:ea typeface=""/>
+        <a:cs typeface=""/>
+        <a:font script="Jpan" typeface="游ゴシック"/>
+        <a:font script="Hang" typeface="맑은 고딕"/>
+        <a:font script="Hans" typeface="等线"/>
+        <a:font script="Hant" typeface="新細明體"/>
+        <a:font script="Arab" typeface="Arial"/>
+        <a:font script="Hebr" typeface="Arial"/>
+        <a:font script="Thai" typeface="Cordia New"/>
+        <a:font script="Ethi" typeface="Nyala"/>
+        <a:font script="Beng" typeface="Vrinda"/>
+        <a:font script="Gujr" typeface="Shruti"/>
+        <a:font script="Khmr" typeface="DaunPenh"/>
+        <a:font script="Knda" typeface="Tunga"/>
+        <a:font script="Guru" typeface="Raavi"/>
+        <a:font script="Cans" typeface="Euphemia"/>
+        <a:font script="Cher" typeface="Plantagenet Cherokee"/>
+        <a:font script="Yiii" typeface="Microsoft Yi Baiti"/>
+        <a:font script="Tibt" typeface="Microsoft Himalaya"/>
+        <a:font script="Thaa" typeface="MV Boli"/>
+        <a:font script="Deva" typeface="Mangal"/>
+        <a:font script="Telu" typeface="Gautami"/>
+        <a:font script="Taml" typeface="Latha"/>
+        <a:font script="Syrc" typeface="Estrangelo Edessa"/>
+        <a:font script="Orya" typeface="Kalinga"/>
+        <a:font script="Mlym" typeface="Kartika"/>
+        <a:font script="Laoo" typeface="DokChampa"/>
+        <a:font script="Sinh" typeface="Iskoola Pota"/>
+        <a:font script="Mong" typeface="Mongolian Baiti"/>
+        <a:font script="Viet" typeface="Arial"/>
+        <a:font script="Uigh" typeface="Microsoft Uighur"/>
+        <a:font script="Geor" typeface="Sylfaen"/>
+        <a:font script="Armn" typeface="Arial"/>
+        <a:font script="Bugi" typeface="Leelawadee UI"/>
+        <a:font script="Bopo" typeface="Microsoft JhengHei"/>
+        <a:font script="Java" typeface="Javanese Text"/>
+        <a:font script="Lisu" typeface="Segoe UI"/>
+        <a:font script="Mymr" typeface="Myanmar Text"/>
+        <a:font script="Nkoo" typeface="Ebrima"/>
+        <a:font script="Olck" typeface="Nirmala UI"/>
+        <a:font script="Osma" typeface="Ebrima"/>
+        <a:font script="Phag" typeface="Phagspa"/>
+        <a:font script="Syrn" typeface="Estrangelo Edessa"/>
+        <a:font script="Syrj" typeface="Estrangelo Edessa"/>
+        <a:font script="Syre" typeface="Estrangelo Edessa"/>
+        <a:font script="Sora" typeface="Nirmala UI"/>
+        <a:font script="Tale" typeface="Microsoft Tai Le"/>
+        <a:font script="Talu" typeface="Microsoft New Tai Lue"/>
+        <a:font script="Tfng" typeface="Ebrima"/>
+      </a:minorFont>
+    </a:fontScheme>
+    <a:fmtScheme name="Office">
+      <a:fillStyleLst>
+        <a:solidFill>
+          <a:schemeClr val="phClr"/>
+        </a:solidFill>
+        <a:gradFill rotWithShape="1">
+          <a:gsLst>
+            <a:gs pos="0">
+              <a:schemeClr val="phClr">
+                <a:lumMod val="110000"/>
+                <a:satMod val="105000"/>
+                <a:tint val="67000"/>
+              </a:schemeClr>
+            </a:gs>
+            <a:gs pos="50000">
+              <a:schemeClr val="phClr">
+                <a:lumMod val="105000"/>
+                <a:satMod val="103000"/>
+                <a:tint val="73000"/>
+              </a:schemeClr>
+            </a:gs>
+            <a:gs pos="100000">
+              <a:schemeClr val="phClr">
+                <a:lumMod val="105000"/>
+                <a:satMod val="109000"/>
+                <a:tint val="81000"/>
+              </a:schemeClr>
+            </a:gs>
+          </a:gsLst>
+          <a:lin ang="5400000" scaled="0"/>
+        </a:gradFill>
+        <a:gradFill rotWithShape="1">
+          <a:gsLst>
+            <a:gs pos="0">
+              <a:schemeClr val="phClr">
+                <a:satMod val="103000"/>
+                <a:lumMod val="102000"/>
+                <a:tint val="94000"/>
+              </a:schemeClr>
+            </a:gs>
+            <a:gs pos="50000">
+              <a:schemeClr val="phClr">
+                <a:satMod val="110000"/>
+                <a:lumMod val="100000"/>
+                <a:shade val="100000"/>
+              </a:schemeClr>
+            </a:gs>
+            <a:gs pos="100000">
+              <a:schemeClr val="phClr">
+                <a:lumMod val="99000"/>
+                <a:satMod val="120000"/>
+                <a:shade val="78000"/>
+              </a:schemeClr>
+            </a:gs>
+          </a:gsLst>
+          <a:lin ang="5400000" scaled="0"/>
+        </a:gradFill>
+      </a:fillStyleLst>
+      <a:lnStyleLst>
+        <a:ln w="12700" cap="flat" cmpd="sng" algn="ctr">
+          <a:solidFill>
+            <a:schemeClr val="phClr"/>
+          </a:solidFill>
+          <a:prstDash val="solid"/>
+          <a:miter lim="800000"/>
+        </a:ln>
+        <a:ln w="19050" cap="flat" cmpd="sng" algn="ctr">
+          <a:solidFill>
+            <a:schemeClr val="phClr"/>
+          </a:solidFill>
+          <a:prstDash val="solid"/>
+          <a:miter lim="800000"/>
+        </a:ln>
+        <a:ln w="25400" cap="flat" cmpd="sng" algn="ctr">
+          <a:solidFill>
+            <a:schemeClr val="phClr"/>
+          </a:solidFill>
+          <a:prstDash val="solid"/>
+          <a:miter lim="800000"/>
+        </a:ln>
+      </a:lnStyleLst>
+      <a:effectStyleLst>
+        <a:effectStyle>
+          <a:effectLst/>
+        </a:effectStyle>
+        <a:effectStyle>
+          <a:effectLst/>
+        </a:effectStyle>
+        <a:effectStyle>
+          <a:effectLst>
+            <a:outerShdw blurRad="57150" dist="19050" dir="5400000" algn="ctr" rotWithShape="0">
+              <a:srgbClr val="000000">
+                <a:alpha val="63000"/>
+              </a:srgbClr>
+            </a:outerShdw>
+          </a:effectLst>
+        </a:effectStyle>
+      </a:effectStyleLst>
+      <a:bgFillStyleLst>
+        <a:solidFill>
+          <a:schemeClr val="phClr"/>
+        </a:solidFill>
+        <a:solidFill>
+          <a:schemeClr val="phClr">
+            <a:tint val="95000"/>
+            <a:satMod val="170000"/>
+          </a:schemeClr>
+        </a:solidFill>
+        <a:gradFill rotWithShape="1">
+          <a:gsLst>
+            <a:gs pos="0">
+              <a:schemeClr val="phClr">
+                <a:tint val="93000"/>
+                <a:satMod val="150000"/>
+                <a:shade val="98000"/>
+                <a:lumMod val="102000"/>
+              </a:schemeClr>
+            </a:gs>
+            <a:gs pos="50000">
+              <a:schemeClr val="phClr">
+                <a:tint val="98000"/>
+                <a:satMod val="130000"/>
+                <a:shade val="90000"/>
+                <a:lumMod val="103000"/>
+              </a:schemeClr>
+            </a:gs>
+            <a:gs pos="100000">
+              <a:schemeClr val="phClr">
+                <a:shade val="63000"/>
+                <a:satMod val="120000"/>
+              </a:schemeClr>
+            </a:gs>
+          </a:gsLst>
+          <a:lin ang="5400000" scaled="0"/>
+        </a:gradFill>
+      </a:bgFillStyleLst>
+    </a:fmtScheme>
+  </a:themeElements>
+  <a:objectDefaults>
+    <a:lnDef>
+      <a:spPr/>
+      <a:bodyPr/>
+      <a:lstStyle/>
+      <a:style>
+        <a:lnRef idx="2">
+          <a:schemeClr val="accent1"/>
+        </a:lnRef>
+        <a:fillRef idx="0">
+          <a:schemeClr val="accent1"/>
+        </a:fillRef>
+        <a:effectRef idx="1">
+          <a:schemeClr val="accent1"/>
+        </a:effectRef>
+        <a:fontRef idx="minor">
+          <a:schemeClr val="tx1"/>
+        </a:fontRef>
+      </a:style>
+    </a:lnDef>
+  </a:objectDefaults>
+  <a:extraClrSchemeLst/>
+  <a:extLst>
+    <a:ext uri="{05A4C25C-085E-4340-85A3-A5531E510DB2}">
+      <thm15:themeFamily xmlns:thm15="http://schemas.microsoft.com/office/thememl/2012/main" name="Office Theme" id="{2E142A2C-CD16-42D6-873A-C26D2A0506FA}" vid="{1BDDFF52-6CD6-40A5-AB3C-68EB2F1E4D0A}"/>
+    </a:ext>
+  </a:extLst>
+</a:theme>
 </file>